--- a/files/Sr preso (1).pptx
+++ b/files/Sr preso (1).pptx
@@ -7,12 +7,15 @@
   <p:sldIdLst>
     <p:sldId id="256" r:id="rId2"/>
     <p:sldId id="257" r:id="rId3"/>
-    <p:sldId id="258" r:id="rId4"/>
-    <p:sldId id="259" r:id="rId5"/>
-    <p:sldId id="260" r:id="rId6"/>
-    <p:sldId id="261" r:id="rId7"/>
-    <p:sldId id="262" r:id="rId8"/>
-    <p:sldId id="263" r:id="rId9"/>
+    <p:sldId id="266" r:id="rId4"/>
+    <p:sldId id="258" r:id="rId5"/>
+    <p:sldId id="264" r:id="rId6"/>
+    <p:sldId id="265" r:id="rId7"/>
+    <p:sldId id="259" r:id="rId8"/>
+    <p:sldId id="260" r:id="rId9"/>
+    <p:sldId id="261" r:id="rId10"/>
+    <p:sldId id="262" r:id="rId11"/>
+    <p:sldId id="263" r:id="rId12"/>
   </p:sldIdLst>
   <p:sldSz cx="9144000" cy="6858000" type="screen4x3"/>
   <p:notesSz cx="6858000" cy="9144000"/>
@@ -344,7 +347,7 @@
             <a:fld id="{8E36636D-D922-432D-A958-524484B5923D}" type="datetimeFigureOut">
               <a:rPr lang="en-US" smtClean="0"/>
               <a:pPr/>
-              <a:t>4/21/2020</a:t>
+              <a:t>4/23/2020</a:t>
             </a:fld>
             <a:endParaRPr lang="en-US"/>
           </a:p>
@@ -691,7 +694,7 @@
             <a:fld id="{8E36636D-D922-432D-A958-524484B5923D}" type="datetimeFigureOut">
               <a:rPr lang="en-US" smtClean="0"/>
               <a:pPr/>
-              <a:t>4/21/2020</a:t>
+              <a:t>4/23/2020</a:t>
             </a:fld>
             <a:endParaRPr lang="en-US"/>
           </a:p>
@@ -811,7 +814,7 @@
             <a:fld id="{8E36636D-D922-432D-A958-524484B5923D}" type="datetimeFigureOut">
               <a:rPr lang="en-US" smtClean="0"/>
               <a:pPr/>
-              <a:t>4/21/2020</a:t>
+              <a:t>4/23/2020</a:t>
             </a:fld>
             <a:endParaRPr lang="en-US"/>
           </a:p>
@@ -1182,7 +1185,7 @@
             <a:fld id="{8E36636D-D922-432D-A958-524484B5923D}" type="datetimeFigureOut">
               <a:rPr lang="en-US" smtClean="0"/>
               <a:pPr/>
-              <a:t>4/21/2020</a:t>
+              <a:t>4/23/2020</a:t>
             </a:fld>
             <a:endParaRPr lang="en-US"/>
           </a:p>
@@ -1391,7 +1394,7 @@
             <a:fld id="{8E36636D-D922-432D-A958-524484B5923D}" type="datetimeFigureOut">
               <a:rPr lang="en-US" smtClean="0"/>
               <a:pPr/>
-              <a:t>4/21/2020</a:t>
+              <a:t>4/23/2020</a:t>
             </a:fld>
             <a:endParaRPr lang="en-US"/>
           </a:p>
@@ -1561,7 +1564,7 @@
             <a:fld id="{8E36636D-D922-432D-A958-524484B5923D}" type="datetimeFigureOut">
               <a:rPr lang="en-US" smtClean="0"/>
               <a:pPr/>
-              <a:t>4/21/2020</a:t>
+              <a:t>4/23/2020</a:t>
             </a:fld>
             <a:endParaRPr lang="en-US"/>
           </a:p>
@@ -1881,7 +1884,7 @@
             <a:fld id="{8E36636D-D922-432D-A958-524484B5923D}" type="datetimeFigureOut">
               <a:rPr lang="en-US" smtClean="0"/>
               <a:pPr/>
-              <a:t>4/21/2020</a:t>
+              <a:t>4/23/2020</a:t>
             </a:fld>
             <a:endParaRPr lang="en-US"/>
           </a:p>
@@ -2192,7 +2195,7 @@
             <a:fld id="{8E36636D-D922-432D-A958-524484B5923D}" type="datetimeFigureOut">
               <a:rPr lang="en-US" smtClean="0"/>
               <a:pPr/>
-              <a:t>4/21/2020</a:t>
+              <a:t>4/23/2020</a:t>
             </a:fld>
             <a:endParaRPr lang="en-US"/>
           </a:p>
@@ -2480,7 +2483,7 @@
             <a:fld id="{8E36636D-D922-432D-A958-524484B5923D}" type="datetimeFigureOut">
               <a:rPr lang="en-US" smtClean="0"/>
               <a:pPr/>
-              <a:t>4/21/2020</a:t>
+              <a:t>4/23/2020</a:t>
             </a:fld>
             <a:endParaRPr lang="en-US"/>
           </a:p>
@@ -3060,7 +3063,7 @@
             <a:fld id="{8E36636D-D922-432D-A958-524484B5923D}" type="datetimeFigureOut">
               <a:rPr lang="en-US" smtClean="0"/>
               <a:pPr/>
-              <a:t>4/21/2020</a:t>
+              <a:t>4/23/2020</a:t>
             </a:fld>
             <a:endParaRPr lang="en-US"/>
           </a:p>
@@ -3175,7 +3178,7 @@
             <a:fld id="{8E36636D-D922-432D-A958-524484B5923D}" type="datetimeFigureOut">
               <a:rPr lang="en-US" smtClean="0"/>
               <a:pPr/>
-              <a:t>4/21/2020</a:t>
+              <a:t>4/23/2020</a:t>
             </a:fld>
             <a:endParaRPr lang="en-US"/>
           </a:p>
@@ -3291,7 +3294,7 @@
             <a:fld id="{8E36636D-D922-432D-A958-524484B5923D}" type="datetimeFigureOut">
               <a:rPr lang="en-US" smtClean="0"/>
               <a:pPr/>
-              <a:t>4/21/2020</a:t>
+              <a:t>4/23/2020</a:t>
             </a:fld>
             <a:endParaRPr lang="en-US"/>
           </a:p>
@@ -3646,7 +3649,7 @@
             <a:fld id="{8E36636D-D922-432D-A958-524484B5923D}" type="datetimeFigureOut">
               <a:rPr lang="en-US" smtClean="0"/>
               <a:pPr/>
-              <a:t>4/21/2020</a:t>
+              <a:t>4/23/2020</a:t>
             </a:fld>
             <a:endParaRPr lang="en-US"/>
           </a:p>
@@ -3878,7 +3881,7 @@
             <a:fld id="{8E36636D-D922-432D-A958-524484B5923D}" type="datetimeFigureOut">
               <a:rPr lang="en-US" smtClean="0"/>
               <a:pPr/>
-              <a:t>4/21/2020</a:t>
+              <a:t>4/23/2020</a:t>
             </a:fld>
             <a:endParaRPr lang="en-US"/>
           </a:p>
@@ -4415,6 +4418,148 @@
 </p:sld>
 </file>
 
+<file path=ppt/slides/slide10.xml><?xml version="1.0" encoding="utf-8"?>
+<p:sld xmlns:a="http://schemas.openxmlformats.org/drawingml/2006/main" xmlns:r="http://schemas.openxmlformats.org/officeDocument/2006/relationships" xmlns:p="http://schemas.openxmlformats.org/presentationml/2006/main">
+  <p:cSld>
+    <p:spTree>
+      <p:nvGrpSpPr>
+        <p:cNvPr id="1" name=""/>
+        <p:cNvGrpSpPr/>
+        <p:nvPr/>
+      </p:nvGrpSpPr>
+      <p:grpSpPr>
+        <a:xfrm>
+          <a:off x="0" y="0"/>
+          <a:ext cx="0" cy="0"/>
+          <a:chOff x="0" y="0"/>
+          <a:chExt cx="0" cy="0"/>
+        </a:xfrm>
+      </p:grpSpPr>
+      <p:sp>
+        <p:nvSpPr>
+          <p:cNvPr id="2" name="Title 1"/>
+          <p:cNvSpPr>
+            <a:spLocks noGrp="1"/>
+          </p:cNvSpPr>
+          <p:nvPr>
+            <p:ph type="title"/>
+          </p:nvPr>
+        </p:nvSpPr>
+        <p:spPr/>
+        <p:txBody>
+          <a:bodyPr/>
+          <a:lstStyle/>
+          <a:p>
+            <a:r>
+              <a:rPr lang="en-US" dirty="0"/>
+              <a:t>Citations</a:t>
+            </a:r>
+          </a:p>
+        </p:txBody>
+      </p:sp>
+      <p:sp>
+        <p:nvSpPr>
+          <p:cNvPr id="3" name="Content Placeholder 2"/>
+          <p:cNvSpPr>
+            <a:spLocks noGrp="1"/>
+          </p:cNvSpPr>
+          <p:nvPr>
+            <p:ph idx="1"/>
+          </p:nvPr>
+        </p:nvSpPr>
+        <p:spPr/>
+        <p:txBody>
+          <a:bodyPr/>
+          <a:lstStyle/>
+          <a:p>
+            <a:endParaRPr lang="en-US"/>
+          </a:p>
+        </p:txBody>
+      </p:sp>
+    </p:spTree>
+    <p:extLst>
+      <p:ext uri="{BB962C8B-B14F-4D97-AF65-F5344CB8AC3E}">
+        <p14:creationId xmlns:p14="http://schemas.microsoft.com/office/powerpoint/2010/main" val="3349725579"/>
+      </p:ext>
+    </p:extLst>
+  </p:cSld>
+  <p:clrMapOvr>
+    <a:masterClrMapping/>
+  </p:clrMapOvr>
+</p:sld>
+</file>
+
+<file path=ppt/slides/slide11.xml><?xml version="1.0" encoding="utf-8"?>
+<p:sld xmlns:a="http://schemas.openxmlformats.org/drawingml/2006/main" xmlns:r="http://schemas.openxmlformats.org/officeDocument/2006/relationships" xmlns:p="http://schemas.openxmlformats.org/presentationml/2006/main">
+  <p:cSld>
+    <p:spTree>
+      <p:nvGrpSpPr>
+        <p:cNvPr id="1" name=""/>
+        <p:cNvGrpSpPr/>
+        <p:nvPr/>
+      </p:nvGrpSpPr>
+      <p:grpSpPr>
+        <a:xfrm>
+          <a:off x="0" y="0"/>
+          <a:ext cx="0" cy="0"/>
+          <a:chOff x="0" y="0"/>
+          <a:chExt cx="0" cy="0"/>
+        </a:xfrm>
+      </p:grpSpPr>
+      <p:sp>
+        <p:nvSpPr>
+          <p:cNvPr id="2" name="Title 1"/>
+          <p:cNvSpPr>
+            <a:spLocks noGrp="1"/>
+          </p:cNvSpPr>
+          <p:nvPr>
+            <p:ph type="title"/>
+          </p:nvPr>
+        </p:nvSpPr>
+        <p:spPr/>
+        <p:txBody>
+          <a:bodyPr/>
+          <a:lstStyle/>
+          <a:p>
+            <a:r>
+              <a:rPr lang="en-US"/>
+              <a:t>Questions</a:t>
+            </a:r>
+          </a:p>
+        </p:txBody>
+      </p:sp>
+      <p:sp>
+        <p:nvSpPr>
+          <p:cNvPr id="3" name="Content Placeholder 2"/>
+          <p:cNvSpPr>
+            <a:spLocks noGrp="1"/>
+          </p:cNvSpPr>
+          <p:nvPr>
+            <p:ph idx="1"/>
+          </p:nvPr>
+        </p:nvSpPr>
+        <p:spPr/>
+        <p:txBody>
+          <a:bodyPr/>
+          <a:lstStyle/>
+          <a:p>
+            <a:endParaRPr lang="en-US"/>
+          </a:p>
+        </p:txBody>
+      </p:sp>
+    </p:spTree>
+    <p:extLst>
+      <p:ext uri="{BB962C8B-B14F-4D97-AF65-F5344CB8AC3E}">
+        <p14:creationId xmlns:p14="http://schemas.microsoft.com/office/powerpoint/2010/main" val="2662455582"/>
+      </p:ext>
+    </p:extLst>
+  </p:cSld>
+  <p:clrMapOvr>
+    <a:masterClrMapping/>
+  </p:clrMapOvr>
+</p:sld>
+</file>
+
 <file path=ppt/slides/slide2.xml><?xml version="1.0" encoding="utf-8"?>
 <p:sld xmlns:a="http://schemas.openxmlformats.org/drawingml/2006/main" xmlns:r="http://schemas.openxmlformats.org/officeDocument/2006/relationships" xmlns:p="http://schemas.openxmlformats.org/presentationml/2006/main">
   <p:cSld>
@@ -4493,7 +4638,10 @@
             </a:r>
           </a:p>
           <a:p>
-            <a:endParaRPr lang="en-US" dirty="0"/>
+            <a:r>
+              <a:rPr lang="en-US" dirty="0"/>
+              <a:t>The fundamentals of AI Implemented through</a:t>
+            </a:r>
           </a:p>
           <a:p>
             <a:endParaRPr lang="en-US" dirty="0"/>
@@ -4532,7 +4680,13 @@
       </p:grpSpPr>
       <p:sp>
         <p:nvSpPr>
-          <p:cNvPr id="2" name="Title 1"/>
+          <p:cNvPr id="2" name="Title 1">
+            <a:extLst>
+              <a:ext uri="{FF2B5EF4-FFF2-40B4-BE49-F238E27FC236}">
+                <a16:creationId xmlns:a16="http://schemas.microsoft.com/office/drawing/2014/main" id="{B499FD59-462E-4AF9-8E5D-7A464DE1AA51}"/>
+              </a:ext>
+            </a:extLst>
+          </p:cNvPr>
           <p:cNvSpPr>
             <a:spLocks noGrp="1"/>
           </p:cNvSpPr>
@@ -4547,14 +4701,20 @@
           <a:p>
             <a:r>
               <a:rPr lang="en-US" dirty="0"/>
-              <a:t>Analysis &amp; Design </a:t>
-            </a:r>
-          </a:p>
-        </p:txBody>
-      </p:sp>
-      <p:sp>
-        <p:nvSpPr>
-          <p:cNvPr id="3" name="Content Placeholder 2"/>
+              <a:t>Overview</a:t>
+            </a:r>
+          </a:p>
+        </p:txBody>
+      </p:sp>
+      <p:sp>
+        <p:nvSpPr>
+          <p:cNvPr id="3" name="Content Placeholder 2">
+            <a:extLst>
+              <a:ext uri="{FF2B5EF4-FFF2-40B4-BE49-F238E27FC236}">
+                <a16:creationId xmlns:a16="http://schemas.microsoft.com/office/drawing/2014/main" id="{72B31052-4067-4FB0-989A-23DA67D5D810}"/>
+              </a:ext>
+            </a:extLst>
+          </p:cNvPr>
           <p:cNvSpPr>
             <a:spLocks noGrp="1"/>
           </p:cNvSpPr>
@@ -4569,19 +4729,28 @@
           <a:p>
             <a:r>
               <a:rPr lang="en-US" dirty="0"/>
-              <a:t>Algorithms</a:t>
-            </a:r>
-          </a:p>
-          <a:p>
+              <a:t>Why</a:t>
+            </a:r>
+          </a:p>
+          <a:p>
+            <a:pPr lvl="1"/>
             <a:r>
               <a:rPr lang="en-US" dirty="0"/>
-              <a:t>Minimax</a:t>
-            </a:r>
-          </a:p>
-          <a:p>
+              <a:t>I’ve programmed tic-tac-toe and connect4 before in C++  but now I want to build upon it. </a:t>
+            </a:r>
+          </a:p>
+          <a:p>
+            <a:pPr lvl="1"/>
             <a:r>
               <a:rPr lang="en-US" dirty="0"/>
-              <a:t>Pruning</a:t>
+              <a:t>I wanted to add an AI to play against. </a:t>
+            </a:r>
+          </a:p>
+          <a:p>
+            <a:pPr lvl="1"/>
+            <a:r>
+              <a:rPr lang="en-US" dirty="0"/>
+              <a:t>I wanted to build a website. </a:t>
             </a:r>
           </a:p>
         </p:txBody>
@@ -4589,7 +4758,7 @@
     </p:spTree>
     <p:extLst>
       <p:ext uri="{BB962C8B-B14F-4D97-AF65-F5344CB8AC3E}">
-        <p14:creationId xmlns:p14="http://schemas.microsoft.com/office/powerpoint/2010/main" val="4060843022"/>
+        <p14:creationId xmlns:p14="http://schemas.microsoft.com/office/powerpoint/2010/main" val="2702684541"/>
       </p:ext>
     </p:extLst>
   </p:cSld>
@@ -4633,7 +4802,7 @@
           <a:p>
             <a:r>
               <a:rPr lang="en-US" dirty="0"/>
-              <a:t>Implementation</a:t>
+              <a:t>Analysis &amp; Design </a:t>
             </a:r>
           </a:p>
         </p:txBody>
@@ -4655,18 +4824,27 @@
           <a:p>
             <a:r>
               <a:rPr lang="en-US" dirty="0"/>
-              <a:t>Code</a:t>
-            </a:r>
-          </a:p>
-          <a:p>
-            <a:endParaRPr lang="en-US" dirty="0"/>
+              <a:t>Algorithms</a:t>
+            </a:r>
+          </a:p>
+          <a:p>
+            <a:r>
+              <a:rPr lang="en-US" dirty="0"/>
+              <a:t>Minimax</a:t>
+            </a:r>
+          </a:p>
+          <a:p>
+            <a:r>
+              <a:rPr lang="en-US" dirty="0"/>
+              <a:t>Pruning</a:t>
+            </a:r>
           </a:p>
         </p:txBody>
       </p:sp>
     </p:spTree>
     <p:extLst>
       <p:ext uri="{BB962C8B-B14F-4D97-AF65-F5344CB8AC3E}">
-        <p14:creationId xmlns:p14="http://schemas.microsoft.com/office/powerpoint/2010/main" val="3258867372"/>
+        <p14:creationId xmlns:p14="http://schemas.microsoft.com/office/powerpoint/2010/main" val="4060843022"/>
       </p:ext>
     </p:extLst>
   </p:cSld>
@@ -4695,7 +4873,13 @@
       </p:grpSpPr>
       <p:sp>
         <p:nvSpPr>
-          <p:cNvPr id="2" name="Title 1"/>
+          <p:cNvPr id="2" name="Title 1">
+            <a:extLst>
+              <a:ext uri="{FF2B5EF4-FFF2-40B4-BE49-F238E27FC236}">
+                <a16:creationId xmlns:a16="http://schemas.microsoft.com/office/drawing/2014/main" id="{EC740416-A1A4-4C45-B27B-903756E2366F}"/>
+              </a:ext>
+            </a:extLst>
+          </p:cNvPr>
           <p:cNvSpPr>
             <a:spLocks noGrp="1"/>
           </p:cNvSpPr>
@@ -4710,40 +4894,77 @@
           <a:p>
             <a:r>
               <a:rPr lang="en-US" dirty="0"/>
-              <a:t>Testing</a:t>
-            </a:r>
-          </a:p>
-        </p:txBody>
-      </p:sp>
-      <p:sp>
-        <p:nvSpPr>
-          <p:cNvPr id="3" name="Content Placeholder 2"/>
-          <p:cNvSpPr>
-            <a:spLocks noGrp="1"/>
-          </p:cNvSpPr>
+              <a:t>Minimax Algorithm</a:t>
+            </a:r>
+          </a:p>
+        </p:txBody>
+      </p:sp>
+      <p:pic>
+        <p:nvPicPr>
+          <p:cNvPr id="4" name="Picture 4" descr="Image result for minimax algorithm">
+            <a:extLst>
+              <a:ext uri="{FF2B5EF4-FFF2-40B4-BE49-F238E27FC236}">
+                <a16:creationId xmlns:a16="http://schemas.microsoft.com/office/drawing/2014/main" id="{F2FE21F3-294E-4A93-97F6-621BB8F4D319}"/>
+              </a:ext>
+            </a:extLst>
+          </p:cNvPr>
+          <p:cNvPicPr>
+            <a:picLocks noGrp="1" noChangeAspect="1" noChangeArrowheads="1"/>
+          </p:cNvPicPr>
           <p:nvPr>
             <p:ph idx="1"/>
           </p:nvPr>
-        </p:nvSpPr>
-        <p:spPr/>
-        <p:txBody>
-          <a:bodyPr/>
-          <a:lstStyle/>
-          <a:p>
-            <a:r>
-              <a:rPr lang="en-US" dirty="0"/>
-              <a:t>Playing the game!</a:t>
-            </a:r>
-          </a:p>
-          <a:p>
-            <a:endParaRPr lang="en-US" dirty="0"/>
-          </a:p>
-        </p:txBody>
-      </p:sp>
+        </p:nvPicPr>
+        <p:blipFill>
+          <a:blip r:embed="rId2">
+            <a:extLst>
+              <a:ext uri="{28A0092B-C50C-407E-A947-70E740481C1C}">
+                <a14:useLocalDpi xmlns:a14="http://schemas.microsoft.com/office/drawing/2010/main" val="0"/>
+              </a:ext>
+            </a:extLst>
+          </a:blip>
+          <a:srcRect/>
+          <a:stretch>
+            <a:fillRect/>
+          </a:stretch>
+        </p:blipFill>
+        <p:spPr bwMode="auto">
+          <a:xfrm>
+            <a:off x="265837" y="1717432"/>
+            <a:ext cx="8580565" cy="3890887"/>
+          </a:xfrm>
+          <a:prstGeom prst="rect">
+            <a:avLst/>
+          </a:prstGeom>
+          <a:ln w="38100" cap="sq">
+            <a:solidFill>
+              <a:srgbClr val="000000"/>
+            </a:solidFill>
+            <a:prstDash val="solid"/>
+            <a:miter lim="800000"/>
+          </a:ln>
+          <a:effectLst>
+            <a:outerShdw blurRad="50800" dist="38100" dir="2700000" algn="tl" rotWithShape="0">
+              <a:srgbClr val="000000">
+                <a:alpha val="43000"/>
+              </a:srgbClr>
+            </a:outerShdw>
+          </a:effectLst>
+          <a:extLst>
+            <a:ext uri="{909E8E84-426E-40DD-AFC4-6F175D3DCCD1}">
+              <a14:hiddenFill xmlns:a14="http://schemas.microsoft.com/office/drawing/2010/main">
+                <a:solidFill>
+                  <a:srgbClr val="FFFFFF"/>
+                </a:solidFill>
+              </a14:hiddenFill>
+            </a:ext>
+          </a:extLst>
+        </p:spPr>
+      </p:pic>
     </p:spTree>
     <p:extLst>
       <p:ext uri="{BB962C8B-B14F-4D97-AF65-F5344CB8AC3E}">
-        <p14:creationId xmlns:p14="http://schemas.microsoft.com/office/powerpoint/2010/main" val="2478263596"/>
+        <p14:creationId xmlns:p14="http://schemas.microsoft.com/office/powerpoint/2010/main" val="1500479990"/>
       </p:ext>
     </p:extLst>
   </p:cSld>
@@ -4772,7 +4993,13 @@
       </p:grpSpPr>
       <p:sp>
         <p:nvSpPr>
-          <p:cNvPr id="2" name="Title 1"/>
+          <p:cNvPr id="2" name="Title 1">
+            <a:extLst>
+              <a:ext uri="{FF2B5EF4-FFF2-40B4-BE49-F238E27FC236}">
+                <a16:creationId xmlns:a16="http://schemas.microsoft.com/office/drawing/2014/main" id="{D2CE7CA5-F8BA-4EB0-837B-FF25E22B9B90}"/>
+              </a:ext>
+            </a:extLst>
+          </p:cNvPr>
           <p:cNvSpPr>
             <a:spLocks noGrp="1"/>
           </p:cNvSpPr>
@@ -4787,37 +5014,77 @@
           <a:p>
             <a:r>
               <a:rPr lang="en-US" dirty="0"/>
-              <a:t>Demonstration</a:t>
-            </a:r>
-          </a:p>
-        </p:txBody>
-      </p:sp>
-      <p:sp>
-        <p:nvSpPr>
-          <p:cNvPr id="3" name="Content Placeholder 2"/>
-          <p:cNvSpPr>
-            <a:spLocks noGrp="1"/>
-          </p:cNvSpPr>
+              <a:t>Minimax cont.</a:t>
+            </a:r>
+          </a:p>
+        </p:txBody>
+      </p:sp>
+      <p:pic>
+        <p:nvPicPr>
+          <p:cNvPr id="4" name="Picture 2" descr="Image result for minimax algorithm">
+            <a:extLst>
+              <a:ext uri="{FF2B5EF4-FFF2-40B4-BE49-F238E27FC236}">
+                <a16:creationId xmlns:a16="http://schemas.microsoft.com/office/drawing/2014/main" id="{792B6AB1-AD24-4FAD-991D-4E47484F3DAC}"/>
+              </a:ext>
+            </a:extLst>
+          </p:cNvPr>
+          <p:cNvPicPr>
+            <a:picLocks noGrp="1" noChangeAspect="1" noChangeArrowheads="1"/>
+          </p:cNvPicPr>
           <p:nvPr>
             <p:ph idx="1"/>
           </p:nvPr>
-        </p:nvSpPr>
-        <p:spPr/>
-        <p:txBody>
-          <a:bodyPr/>
-          <a:lstStyle/>
-          <a:p>
-            <a:r>
-              <a:rPr lang="en-US" dirty="0"/>
-              <a:t>dextermiller.com</a:t>
-            </a:r>
-          </a:p>
-        </p:txBody>
-      </p:sp>
+        </p:nvPicPr>
+        <p:blipFill>
+          <a:blip r:embed="rId2">
+            <a:extLst>
+              <a:ext uri="{28A0092B-C50C-407E-A947-70E740481C1C}">
+                <a14:useLocalDpi xmlns:a14="http://schemas.microsoft.com/office/drawing/2010/main" val="0"/>
+              </a:ext>
+            </a:extLst>
+          </a:blip>
+          <a:srcRect/>
+          <a:stretch>
+            <a:fillRect/>
+          </a:stretch>
+        </p:blipFill>
+        <p:spPr bwMode="auto">
+          <a:xfrm>
+            <a:off x="1986343" y="1191589"/>
+            <a:ext cx="5171314" cy="5479695"/>
+          </a:xfrm>
+          <a:prstGeom prst="rect">
+            <a:avLst/>
+          </a:prstGeom>
+          <a:ln w="38100" cap="sq">
+            <a:solidFill>
+              <a:srgbClr val="000000"/>
+            </a:solidFill>
+            <a:prstDash val="solid"/>
+            <a:miter lim="800000"/>
+          </a:ln>
+          <a:effectLst>
+            <a:outerShdw blurRad="50800" dist="38100" dir="2700000" algn="tl" rotWithShape="0">
+              <a:srgbClr val="000000">
+                <a:alpha val="43000"/>
+              </a:srgbClr>
+            </a:outerShdw>
+          </a:effectLst>
+          <a:extLst>
+            <a:ext uri="{909E8E84-426E-40DD-AFC4-6F175D3DCCD1}">
+              <a14:hiddenFill xmlns:a14="http://schemas.microsoft.com/office/drawing/2010/main">
+                <a:solidFill>
+                  <a:srgbClr val="FFFFFF"/>
+                </a:solidFill>
+              </a14:hiddenFill>
+            </a:ext>
+          </a:extLst>
+        </p:spPr>
+      </p:pic>
     </p:spTree>
     <p:extLst>
       <p:ext uri="{BB962C8B-B14F-4D97-AF65-F5344CB8AC3E}">
-        <p14:creationId xmlns:p14="http://schemas.microsoft.com/office/powerpoint/2010/main" val="2468445757"/>
+        <p14:creationId xmlns:p14="http://schemas.microsoft.com/office/powerpoint/2010/main" val="688692606"/>
       </p:ext>
     </p:extLst>
   </p:cSld>
@@ -4861,7 +5128,7 @@
           <a:p>
             <a:r>
               <a:rPr lang="en-US" dirty="0"/>
-              <a:t>Citations</a:t>
+              <a:t>Minimax Pseudocode</a:t>
             </a:r>
           </a:p>
         </p:txBody>
@@ -4881,14 +5148,56 @@
           <a:bodyPr/>
           <a:lstStyle/>
           <a:p>
-            <a:endParaRPr lang="en-US"/>
-          </a:p>
-        </p:txBody>
-      </p:sp>
+            <a:pPr marL="0" indent="0">
+              <a:buNone/>
+            </a:pPr>
+            <a:endParaRPr lang="en-US" dirty="0"/>
+          </a:p>
+          <a:p>
+            <a:endParaRPr lang="en-US" dirty="0"/>
+          </a:p>
+        </p:txBody>
+      </p:sp>
+      <p:pic>
+        <p:nvPicPr>
+          <p:cNvPr id="5" name="Picture 4">
+            <a:extLst>
+              <a:ext uri="{FF2B5EF4-FFF2-40B4-BE49-F238E27FC236}">
+                <a16:creationId xmlns:a16="http://schemas.microsoft.com/office/drawing/2014/main" id="{9FE1A9B2-276F-4B40-A0BE-72B956506044}"/>
+              </a:ext>
+            </a:extLst>
+          </p:cNvPr>
+          <p:cNvPicPr>
+            <a:picLocks noChangeAspect="1"/>
+          </p:cNvPicPr>
+          <p:nvPr/>
+        </p:nvPicPr>
+        <p:blipFill>
+          <a:blip r:embed="rId2">
+            <a:extLst>
+              <a:ext uri="{28A0092B-C50C-407E-A947-70E740481C1C}">
+                <a14:useLocalDpi xmlns:a14="http://schemas.microsoft.com/office/drawing/2010/main" val="0"/>
+              </a:ext>
+            </a:extLst>
+          </a:blip>
+          <a:stretch>
+            <a:fillRect/>
+          </a:stretch>
+        </p:blipFill>
+        <p:spPr>
+          <a:xfrm>
+            <a:off x="153709" y="1889760"/>
+            <a:ext cx="8793707" cy="4001453"/>
+          </a:xfrm>
+          <a:prstGeom prst="rect">
+            <a:avLst/>
+          </a:prstGeom>
+        </p:spPr>
+      </p:pic>
     </p:spTree>
     <p:extLst>
       <p:ext uri="{BB962C8B-B14F-4D97-AF65-F5344CB8AC3E}">
-        <p14:creationId xmlns:p14="http://schemas.microsoft.com/office/powerpoint/2010/main" val="3349725579"/>
+        <p14:creationId xmlns:p14="http://schemas.microsoft.com/office/powerpoint/2010/main" val="3258867372"/>
       </p:ext>
     </p:extLst>
   </p:cSld>
@@ -4931,8 +5240,8 @@
           <a:lstStyle/>
           <a:p>
             <a:r>
-              <a:rPr lang="en-US"/>
-              <a:t>Questions</a:t>
+              <a:rPr lang="en-US" dirty="0"/>
+              <a:t>Testing</a:t>
             </a:r>
           </a:p>
         </p:txBody>
@@ -4952,14 +5261,94 @@
           <a:bodyPr/>
           <a:lstStyle/>
           <a:p>
-            <a:endParaRPr lang="en-US"/>
+            <a:r>
+              <a:rPr lang="en-US" dirty="0"/>
+              <a:t>Playing the game!</a:t>
+            </a:r>
+          </a:p>
+          <a:p>
+            <a:endParaRPr lang="en-US" dirty="0"/>
           </a:p>
         </p:txBody>
       </p:sp>
     </p:spTree>
     <p:extLst>
       <p:ext uri="{BB962C8B-B14F-4D97-AF65-F5344CB8AC3E}">
-        <p14:creationId xmlns:p14="http://schemas.microsoft.com/office/powerpoint/2010/main" val="2662455582"/>
+        <p14:creationId xmlns:p14="http://schemas.microsoft.com/office/powerpoint/2010/main" val="2478263596"/>
+      </p:ext>
+    </p:extLst>
+  </p:cSld>
+  <p:clrMapOvr>
+    <a:masterClrMapping/>
+  </p:clrMapOvr>
+</p:sld>
+</file>
+
+<file path=ppt/slides/slide9.xml><?xml version="1.0" encoding="utf-8"?>
+<p:sld xmlns:a="http://schemas.openxmlformats.org/drawingml/2006/main" xmlns:r="http://schemas.openxmlformats.org/officeDocument/2006/relationships" xmlns:p="http://schemas.openxmlformats.org/presentationml/2006/main">
+  <p:cSld>
+    <p:spTree>
+      <p:nvGrpSpPr>
+        <p:cNvPr id="1" name=""/>
+        <p:cNvGrpSpPr/>
+        <p:nvPr/>
+      </p:nvGrpSpPr>
+      <p:grpSpPr>
+        <a:xfrm>
+          <a:off x="0" y="0"/>
+          <a:ext cx="0" cy="0"/>
+          <a:chOff x="0" y="0"/>
+          <a:chExt cx="0" cy="0"/>
+        </a:xfrm>
+      </p:grpSpPr>
+      <p:sp>
+        <p:nvSpPr>
+          <p:cNvPr id="2" name="Title 1"/>
+          <p:cNvSpPr>
+            <a:spLocks noGrp="1"/>
+          </p:cNvSpPr>
+          <p:nvPr>
+            <p:ph type="title"/>
+          </p:nvPr>
+        </p:nvSpPr>
+        <p:spPr/>
+        <p:txBody>
+          <a:bodyPr/>
+          <a:lstStyle/>
+          <a:p>
+            <a:r>
+              <a:rPr lang="en-US" dirty="0"/>
+              <a:t>Demonstration</a:t>
+            </a:r>
+          </a:p>
+        </p:txBody>
+      </p:sp>
+      <p:sp>
+        <p:nvSpPr>
+          <p:cNvPr id="3" name="Content Placeholder 2"/>
+          <p:cNvSpPr>
+            <a:spLocks noGrp="1"/>
+          </p:cNvSpPr>
+          <p:nvPr>
+            <p:ph idx="1"/>
+          </p:nvPr>
+        </p:nvSpPr>
+        <p:spPr/>
+        <p:txBody>
+          <a:bodyPr/>
+          <a:lstStyle/>
+          <a:p>
+            <a:r>
+              <a:rPr lang="en-US" dirty="0"/>
+              <a:t>dextermiller.com</a:t>
+            </a:r>
+          </a:p>
+        </p:txBody>
+      </p:sp>
+    </p:spTree>
+    <p:extLst>
+      <p:ext uri="{BB962C8B-B14F-4D97-AF65-F5344CB8AC3E}">
+        <p14:creationId xmlns:p14="http://schemas.microsoft.com/office/powerpoint/2010/main" val="2468445757"/>
       </p:ext>
     </p:extLst>
   </p:cSld>

--- a/files/Sr preso (1).pptx
+++ b/files/Sr preso (1).pptx
@@ -13,9 +13,10 @@
     <p:sldId id="265" r:id="rId7"/>
     <p:sldId id="259" r:id="rId8"/>
     <p:sldId id="260" r:id="rId9"/>
-    <p:sldId id="261" r:id="rId10"/>
-    <p:sldId id="262" r:id="rId11"/>
-    <p:sldId id="263" r:id="rId12"/>
+    <p:sldId id="267" r:id="rId10"/>
+    <p:sldId id="261" r:id="rId11"/>
+    <p:sldId id="262" r:id="rId12"/>
+    <p:sldId id="263" r:id="rId13"/>
   </p:sldIdLst>
   <p:sldSz cx="9144000" cy="6858000" type="screen4x3"/>
   <p:notesSz cx="6858000" cy="9144000"/>
@@ -4452,6 +4453,80 @@
           <a:p>
             <a:r>
               <a:rPr lang="en-US" dirty="0"/>
+              <a:t>Demonstration</a:t>
+            </a:r>
+          </a:p>
+        </p:txBody>
+      </p:sp>
+      <p:sp>
+        <p:nvSpPr>
+          <p:cNvPr id="3" name="Content Placeholder 2"/>
+          <p:cNvSpPr>
+            <a:spLocks noGrp="1"/>
+          </p:cNvSpPr>
+          <p:nvPr>
+            <p:ph idx="1"/>
+          </p:nvPr>
+        </p:nvSpPr>
+        <p:spPr/>
+        <p:txBody>
+          <a:bodyPr/>
+          <a:lstStyle/>
+          <a:p>
+            <a:r>
+              <a:rPr lang="en-US" dirty="0"/>
+              <a:t>dextermiller.com</a:t>
+            </a:r>
+          </a:p>
+        </p:txBody>
+      </p:sp>
+    </p:spTree>
+    <p:extLst>
+      <p:ext uri="{BB962C8B-B14F-4D97-AF65-F5344CB8AC3E}">
+        <p14:creationId xmlns:p14="http://schemas.microsoft.com/office/powerpoint/2010/main" val="2468445757"/>
+      </p:ext>
+    </p:extLst>
+  </p:cSld>
+  <p:clrMapOvr>
+    <a:masterClrMapping/>
+  </p:clrMapOvr>
+</p:sld>
+</file>
+
+<file path=ppt/slides/slide11.xml><?xml version="1.0" encoding="utf-8"?>
+<p:sld xmlns:a="http://schemas.openxmlformats.org/drawingml/2006/main" xmlns:r="http://schemas.openxmlformats.org/officeDocument/2006/relationships" xmlns:p="http://schemas.openxmlformats.org/presentationml/2006/main">
+  <p:cSld>
+    <p:spTree>
+      <p:nvGrpSpPr>
+        <p:cNvPr id="1" name=""/>
+        <p:cNvGrpSpPr/>
+        <p:nvPr/>
+      </p:nvGrpSpPr>
+      <p:grpSpPr>
+        <a:xfrm>
+          <a:off x="0" y="0"/>
+          <a:ext cx="0" cy="0"/>
+          <a:chOff x="0" y="0"/>
+          <a:chExt cx="0" cy="0"/>
+        </a:xfrm>
+      </p:grpSpPr>
+      <p:sp>
+        <p:nvSpPr>
+          <p:cNvPr id="2" name="Title 1"/>
+          <p:cNvSpPr>
+            <a:spLocks noGrp="1"/>
+          </p:cNvSpPr>
+          <p:nvPr>
+            <p:ph type="title"/>
+          </p:nvPr>
+        </p:nvSpPr>
+        <p:spPr/>
+        <p:txBody>
+          <a:bodyPr/>
+          <a:lstStyle/>
+          <a:p>
+            <a:r>
+              <a:rPr lang="en-US" dirty="0"/>
               <a:t>Citations</a:t>
             </a:r>
           </a:p>
@@ -4489,7 +4564,7 @@
 </p:sld>
 </file>
 
-<file path=ppt/slides/slide11.xml><?xml version="1.0" encoding="utf-8"?>
+<file path=ppt/slides/slide12.xml><?xml version="1.0" encoding="utf-8"?>
 <p:sld xmlns:a="http://schemas.openxmlformats.org/drawingml/2006/main" xmlns:r="http://schemas.openxmlformats.org/officeDocument/2006/relationships" xmlns:p="http://schemas.openxmlformats.org/presentationml/2006/main">
   <p:cSld>
     <p:spTree>
@@ -5303,7 +5378,13 @@
       </p:grpSpPr>
       <p:sp>
         <p:nvSpPr>
-          <p:cNvPr id="2" name="Title 1"/>
+          <p:cNvPr id="2" name="Title 1">
+            <a:extLst>
+              <a:ext uri="{FF2B5EF4-FFF2-40B4-BE49-F238E27FC236}">
+                <a16:creationId xmlns:a16="http://schemas.microsoft.com/office/drawing/2014/main" id="{B1368A97-ED19-4244-A10D-E5D1CEA4A93A}"/>
+              </a:ext>
+            </a:extLst>
+          </p:cNvPr>
           <p:cNvSpPr>
             <a:spLocks noGrp="1"/>
           </p:cNvSpPr>
@@ -5318,14 +5399,20 @@
           <a:p>
             <a:r>
               <a:rPr lang="en-US" dirty="0"/>
-              <a:t>Demonstration</a:t>
-            </a:r>
-          </a:p>
-        </p:txBody>
-      </p:sp>
-      <p:sp>
-        <p:nvSpPr>
-          <p:cNvPr id="3" name="Content Placeholder 2"/>
+              <a:t>Testing/Data</a:t>
+            </a:r>
+          </a:p>
+        </p:txBody>
+      </p:sp>
+      <p:sp>
+        <p:nvSpPr>
+          <p:cNvPr id="3" name="Content Placeholder 2">
+            <a:extLst>
+              <a:ext uri="{FF2B5EF4-FFF2-40B4-BE49-F238E27FC236}">
+                <a16:creationId xmlns:a16="http://schemas.microsoft.com/office/drawing/2014/main" id="{79BDA99F-8060-45DB-BA0D-C1967A471A1A}"/>
+              </a:ext>
+            </a:extLst>
+          </p:cNvPr>
           <p:cNvSpPr>
             <a:spLocks noGrp="1"/>
           </p:cNvSpPr>
@@ -5340,7 +5427,18 @@
           <a:p>
             <a:r>
               <a:rPr lang="en-US" dirty="0"/>
-              <a:t>dextermiller.com</a:t>
+              <a:t>From initial Call on Tic-tac-toe</a:t>
+            </a:r>
+          </a:p>
+          <a:p>
+            <a:pPr lvl="1"/>
+            <a:r>
+              <a:rPr lang="en-US" dirty="0"/>
+              <a:t>549,946 </a:t>
+            </a:r>
+            <a:r>
+              <a:rPr lang="en-US"/>
+              <a:t>iterations occur</a:t>
             </a:r>
           </a:p>
         </p:txBody>
@@ -5348,7 +5446,7 @@
     </p:spTree>
     <p:extLst>
       <p:ext uri="{BB962C8B-B14F-4D97-AF65-F5344CB8AC3E}">
-        <p14:creationId xmlns:p14="http://schemas.microsoft.com/office/powerpoint/2010/main" val="2468445757"/>
+        <p14:creationId xmlns:p14="http://schemas.microsoft.com/office/powerpoint/2010/main" val="3758331537"/>
       </p:ext>
     </p:extLst>
   </p:cSld>

--- a/files/Sr preso (1).pptx
+++ b/files/Sr preso (1).pptx
@@ -4,6 +4,9 @@
   <p:sldMasterIdLst>
     <p:sldMasterId id="2147483870" r:id="rId1"/>
   </p:sldMasterIdLst>
+  <p:notesMasterIdLst>
+    <p:notesMasterId r:id="rId17"/>
+  </p:notesMasterIdLst>
   <p:sldIdLst>
     <p:sldId id="256" r:id="rId2"/>
     <p:sldId id="257" r:id="rId3"/>
@@ -12,11 +15,14 @@
     <p:sldId id="264" r:id="rId6"/>
     <p:sldId id="265" r:id="rId7"/>
     <p:sldId id="259" r:id="rId8"/>
-    <p:sldId id="260" r:id="rId9"/>
-    <p:sldId id="267" r:id="rId10"/>
-    <p:sldId id="261" r:id="rId11"/>
-    <p:sldId id="262" r:id="rId12"/>
-    <p:sldId id="263" r:id="rId13"/>
+    <p:sldId id="269" r:id="rId9"/>
+    <p:sldId id="270" r:id="rId10"/>
+    <p:sldId id="260" r:id="rId11"/>
+    <p:sldId id="267" r:id="rId12"/>
+    <p:sldId id="268" r:id="rId13"/>
+    <p:sldId id="261" r:id="rId14"/>
+    <p:sldId id="262" r:id="rId15"/>
+    <p:sldId id="263" r:id="rId16"/>
   </p:sldIdLst>
   <p:sldSz cx="9144000" cy="6858000" type="screen4x3"/>
   <p:notesSz cx="6858000" cy="9144000"/>
@@ -134,6 +140,442 @@
 </p:presentation>
 </file>
 
+<file path=ppt/notesMasters/notesMaster1.xml><?xml version="1.0" encoding="utf-8"?>
+<p:notesMaster xmlns:a="http://schemas.openxmlformats.org/drawingml/2006/main" xmlns:r="http://schemas.openxmlformats.org/officeDocument/2006/relationships" xmlns:p="http://schemas.openxmlformats.org/presentationml/2006/main">
+  <p:cSld>
+    <p:bg>
+      <p:bgRef idx="1001">
+        <a:schemeClr val="bg1"/>
+      </p:bgRef>
+    </p:bg>
+    <p:spTree>
+      <p:nvGrpSpPr>
+        <p:cNvPr id="1" name=""/>
+        <p:cNvGrpSpPr/>
+        <p:nvPr/>
+      </p:nvGrpSpPr>
+      <p:grpSpPr>
+        <a:xfrm>
+          <a:off x="0" y="0"/>
+          <a:ext cx="0" cy="0"/>
+          <a:chOff x="0" y="0"/>
+          <a:chExt cx="0" cy="0"/>
+        </a:xfrm>
+      </p:grpSpPr>
+      <p:sp>
+        <p:nvSpPr>
+          <p:cNvPr id="2" name="Header Placeholder 1"/>
+          <p:cNvSpPr>
+            <a:spLocks noGrp="1"/>
+          </p:cNvSpPr>
+          <p:nvPr>
+            <p:ph type="hdr" sz="quarter"/>
+          </p:nvPr>
+        </p:nvSpPr>
+        <p:spPr>
+          <a:xfrm>
+            <a:off x="0" y="0"/>
+            <a:ext cx="2971800" cy="458788"/>
+          </a:xfrm>
+          <a:prstGeom prst="rect">
+            <a:avLst/>
+          </a:prstGeom>
+        </p:spPr>
+        <p:txBody>
+          <a:bodyPr vert="horz" lIns="91440" tIns="45720" rIns="91440" bIns="45720" rtlCol="0"/>
+          <a:lstStyle>
+            <a:lvl1pPr algn="l">
+              <a:defRPr sz="1200"/>
+            </a:lvl1pPr>
+          </a:lstStyle>
+          <a:p>
+            <a:endParaRPr lang="en-US"/>
+          </a:p>
+        </p:txBody>
+      </p:sp>
+      <p:sp>
+        <p:nvSpPr>
+          <p:cNvPr id="3" name="Date Placeholder 2"/>
+          <p:cNvSpPr>
+            <a:spLocks noGrp="1"/>
+          </p:cNvSpPr>
+          <p:nvPr>
+            <p:ph type="dt" idx="1"/>
+          </p:nvPr>
+        </p:nvSpPr>
+        <p:spPr>
+          <a:xfrm>
+            <a:off x="3884613" y="0"/>
+            <a:ext cx="2971800" cy="458788"/>
+          </a:xfrm>
+          <a:prstGeom prst="rect">
+            <a:avLst/>
+          </a:prstGeom>
+        </p:spPr>
+        <p:txBody>
+          <a:bodyPr vert="horz" lIns="91440" tIns="45720" rIns="91440" bIns="45720" rtlCol="0"/>
+          <a:lstStyle>
+            <a:lvl1pPr algn="r">
+              <a:defRPr sz="1200"/>
+            </a:lvl1pPr>
+          </a:lstStyle>
+          <a:p>
+            <a:fld id="{6FF8AE3E-06CF-4023-B1EC-62F0132C7312}" type="datetimeFigureOut">
+              <a:rPr lang="en-US" smtClean="0"/>
+              <a:t>4/26/2020</a:t>
+            </a:fld>
+            <a:endParaRPr lang="en-US"/>
+          </a:p>
+        </p:txBody>
+      </p:sp>
+      <p:sp>
+        <p:nvSpPr>
+          <p:cNvPr id="4" name="Slide Image Placeholder 3"/>
+          <p:cNvSpPr>
+            <a:spLocks noGrp="1" noRot="1" noChangeAspect="1"/>
+          </p:cNvSpPr>
+          <p:nvPr>
+            <p:ph type="sldImg" idx="2"/>
+          </p:nvPr>
+        </p:nvSpPr>
+        <p:spPr>
+          <a:xfrm>
+            <a:off x="1371600" y="1143000"/>
+            <a:ext cx="4114800" cy="3086100"/>
+          </a:xfrm>
+          <a:prstGeom prst="rect">
+            <a:avLst/>
+          </a:prstGeom>
+          <a:noFill/>
+          <a:ln w="12700">
+            <a:solidFill>
+              <a:prstClr val="black"/>
+            </a:solidFill>
+          </a:ln>
+        </p:spPr>
+        <p:txBody>
+          <a:bodyPr vert="horz" lIns="91440" tIns="45720" rIns="91440" bIns="45720" rtlCol="0" anchor="ctr"/>
+          <a:lstStyle/>
+          <a:p>
+            <a:endParaRPr lang="en-US"/>
+          </a:p>
+        </p:txBody>
+      </p:sp>
+      <p:sp>
+        <p:nvSpPr>
+          <p:cNvPr id="5" name="Notes Placeholder 4"/>
+          <p:cNvSpPr>
+            <a:spLocks noGrp="1"/>
+          </p:cNvSpPr>
+          <p:nvPr>
+            <p:ph type="body" sz="quarter" idx="3"/>
+          </p:nvPr>
+        </p:nvSpPr>
+        <p:spPr>
+          <a:xfrm>
+            <a:off x="685800" y="4400550"/>
+            <a:ext cx="5486400" cy="3600450"/>
+          </a:xfrm>
+          <a:prstGeom prst="rect">
+            <a:avLst/>
+          </a:prstGeom>
+        </p:spPr>
+        <p:txBody>
+          <a:bodyPr vert="horz" lIns="91440" tIns="45720" rIns="91440" bIns="45720" rtlCol="0"/>
+          <a:lstStyle/>
+          <a:p>
+            <a:pPr lvl="0"/>
+            <a:r>
+              <a:rPr lang="en-US"/>
+              <a:t>Click to edit Master text styles</a:t>
+            </a:r>
+          </a:p>
+          <a:p>
+            <a:pPr lvl="1"/>
+            <a:r>
+              <a:rPr lang="en-US"/>
+              <a:t>Second level</a:t>
+            </a:r>
+          </a:p>
+          <a:p>
+            <a:pPr lvl="2"/>
+            <a:r>
+              <a:rPr lang="en-US"/>
+              <a:t>Third level</a:t>
+            </a:r>
+          </a:p>
+          <a:p>
+            <a:pPr lvl="3"/>
+            <a:r>
+              <a:rPr lang="en-US"/>
+              <a:t>Fourth level</a:t>
+            </a:r>
+          </a:p>
+          <a:p>
+            <a:pPr lvl="4"/>
+            <a:r>
+              <a:rPr lang="en-US"/>
+              <a:t>Fifth level</a:t>
+            </a:r>
+          </a:p>
+        </p:txBody>
+      </p:sp>
+      <p:sp>
+        <p:nvSpPr>
+          <p:cNvPr id="6" name="Footer Placeholder 5"/>
+          <p:cNvSpPr>
+            <a:spLocks noGrp="1"/>
+          </p:cNvSpPr>
+          <p:nvPr>
+            <p:ph type="ftr" sz="quarter" idx="4"/>
+          </p:nvPr>
+        </p:nvSpPr>
+        <p:spPr>
+          <a:xfrm>
+            <a:off x="0" y="8685213"/>
+            <a:ext cx="2971800" cy="458787"/>
+          </a:xfrm>
+          <a:prstGeom prst="rect">
+            <a:avLst/>
+          </a:prstGeom>
+        </p:spPr>
+        <p:txBody>
+          <a:bodyPr vert="horz" lIns="91440" tIns="45720" rIns="91440" bIns="45720" rtlCol="0" anchor="b"/>
+          <a:lstStyle>
+            <a:lvl1pPr algn="l">
+              <a:defRPr sz="1200"/>
+            </a:lvl1pPr>
+          </a:lstStyle>
+          <a:p>
+            <a:endParaRPr lang="en-US"/>
+          </a:p>
+        </p:txBody>
+      </p:sp>
+      <p:sp>
+        <p:nvSpPr>
+          <p:cNvPr id="7" name="Slide Number Placeholder 6"/>
+          <p:cNvSpPr>
+            <a:spLocks noGrp="1"/>
+          </p:cNvSpPr>
+          <p:nvPr>
+            <p:ph type="sldNum" sz="quarter" idx="5"/>
+          </p:nvPr>
+        </p:nvSpPr>
+        <p:spPr>
+          <a:xfrm>
+            <a:off x="3884613" y="8685213"/>
+            <a:ext cx="2971800" cy="458787"/>
+          </a:xfrm>
+          <a:prstGeom prst="rect">
+            <a:avLst/>
+          </a:prstGeom>
+        </p:spPr>
+        <p:txBody>
+          <a:bodyPr vert="horz" lIns="91440" tIns="45720" rIns="91440" bIns="45720" rtlCol="0" anchor="b"/>
+          <a:lstStyle>
+            <a:lvl1pPr algn="r">
+              <a:defRPr sz="1200"/>
+            </a:lvl1pPr>
+          </a:lstStyle>
+          <a:p>
+            <a:fld id="{23804759-BC6C-4E6D-A52F-1BE636476B7B}" type="slidenum">
+              <a:rPr lang="en-US" smtClean="0"/>
+              <a:t>‹#›</a:t>
+            </a:fld>
+            <a:endParaRPr lang="en-US"/>
+          </a:p>
+        </p:txBody>
+      </p:sp>
+    </p:spTree>
+    <p:extLst>
+      <p:ext uri="{BB962C8B-B14F-4D97-AF65-F5344CB8AC3E}">
+        <p14:creationId xmlns:p14="http://schemas.microsoft.com/office/powerpoint/2010/main" val="863287558"/>
+      </p:ext>
+    </p:extLst>
+  </p:cSld>
+  <p:clrMap bg1="lt1" tx1="dk1" bg2="lt2" tx2="dk2" accent1="accent1" accent2="accent2" accent3="accent3" accent4="accent4" accent5="accent5" accent6="accent6" hlink="hlink" folHlink="folHlink"/>
+  <p:notesStyle>
+    <a:lvl1pPr marL="0" algn="l" defTabSz="914400" rtl="0" eaLnBrk="1" latinLnBrk="0" hangingPunct="1">
+      <a:defRPr sz="1200" kern="1200">
+        <a:solidFill>
+          <a:schemeClr val="tx1"/>
+        </a:solidFill>
+        <a:latin typeface="+mn-lt"/>
+        <a:ea typeface="+mn-ea"/>
+        <a:cs typeface="+mn-cs"/>
+      </a:defRPr>
+    </a:lvl1pPr>
+    <a:lvl2pPr marL="457200" algn="l" defTabSz="914400" rtl="0" eaLnBrk="1" latinLnBrk="0" hangingPunct="1">
+      <a:defRPr sz="1200" kern="1200">
+        <a:solidFill>
+          <a:schemeClr val="tx1"/>
+        </a:solidFill>
+        <a:latin typeface="+mn-lt"/>
+        <a:ea typeface="+mn-ea"/>
+        <a:cs typeface="+mn-cs"/>
+      </a:defRPr>
+    </a:lvl2pPr>
+    <a:lvl3pPr marL="914400" algn="l" defTabSz="914400" rtl="0" eaLnBrk="1" latinLnBrk="0" hangingPunct="1">
+      <a:defRPr sz="1200" kern="1200">
+        <a:solidFill>
+          <a:schemeClr val="tx1"/>
+        </a:solidFill>
+        <a:latin typeface="+mn-lt"/>
+        <a:ea typeface="+mn-ea"/>
+        <a:cs typeface="+mn-cs"/>
+      </a:defRPr>
+    </a:lvl3pPr>
+    <a:lvl4pPr marL="1371600" algn="l" defTabSz="914400" rtl="0" eaLnBrk="1" latinLnBrk="0" hangingPunct="1">
+      <a:defRPr sz="1200" kern="1200">
+        <a:solidFill>
+          <a:schemeClr val="tx1"/>
+        </a:solidFill>
+        <a:latin typeface="+mn-lt"/>
+        <a:ea typeface="+mn-ea"/>
+        <a:cs typeface="+mn-cs"/>
+      </a:defRPr>
+    </a:lvl4pPr>
+    <a:lvl5pPr marL="1828800" algn="l" defTabSz="914400" rtl="0" eaLnBrk="1" latinLnBrk="0" hangingPunct="1">
+      <a:defRPr sz="1200" kern="1200">
+        <a:solidFill>
+          <a:schemeClr val="tx1"/>
+        </a:solidFill>
+        <a:latin typeface="+mn-lt"/>
+        <a:ea typeface="+mn-ea"/>
+        <a:cs typeface="+mn-cs"/>
+      </a:defRPr>
+    </a:lvl5pPr>
+    <a:lvl6pPr marL="2286000" algn="l" defTabSz="914400" rtl="0" eaLnBrk="1" latinLnBrk="0" hangingPunct="1">
+      <a:defRPr sz="1200" kern="1200">
+        <a:solidFill>
+          <a:schemeClr val="tx1"/>
+        </a:solidFill>
+        <a:latin typeface="+mn-lt"/>
+        <a:ea typeface="+mn-ea"/>
+        <a:cs typeface="+mn-cs"/>
+      </a:defRPr>
+    </a:lvl6pPr>
+    <a:lvl7pPr marL="2743200" algn="l" defTabSz="914400" rtl="0" eaLnBrk="1" latinLnBrk="0" hangingPunct="1">
+      <a:defRPr sz="1200" kern="1200">
+        <a:solidFill>
+          <a:schemeClr val="tx1"/>
+        </a:solidFill>
+        <a:latin typeface="+mn-lt"/>
+        <a:ea typeface="+mn-ea"/>
+        <a:cs typeface="+mn-cs"/>
+      </a:defRPr>
+    </a:lvl7pPr>
+    <a:lvl8pPr marL="3200400" algn="l" defTabSz="914400" rtl="0" eaLnBrk="1" latinLnBrk="0" hangingPunct="1">
+      <a:defRPr sz="1200" kern="1200">
+        <a:solidFill>
+          <a:schemeClr val="tx1"/>
+        </a:solidFill>
+        <a:latin typeface="+mn-lt"/>
+        <a:ea typeface="+mn-ea"/>
+        <a:cs typeface="+mn-cs"/>
+      </a:defRPr>
+    </a:lvl8pPr>
+    <a:lvl9pPr marL="3657600" algn="l" defTabSz="914400" rtl="0" eaLnBrk="1" latinLnBrk="0" hangingPunct="1">
+      <a:defRPr sz="1200" kern="1200">
+        <a:solidFill>
+          <a:schemeClr val="tx1"/>
+        </a:solidFill>
+        <a:latin typeface="+mn-lt"/>
+        <a:ea typeface="+mn-ea"/>
+        <a:cs typeface="+mn-cs"/>
+      </a:defRPr>
+    </a:lvl9pPr>
+  </p:notesStyle>
+</p:notesMaster>
+</file>
+
+<file path=ppt/notesSlides/notesSlide1.xml><?xml version="1.0" encoding="utf-8"?>
+<p:notes xmlns:a="http://schemas.openxmlformats.org/drawingml/2006/main" xmlns:r="http://schemas.openxmlformats.org/officeDocument/2006/relationships" xmlns:p="http://schemas.openxmlformats.org/presentationml/2006/main">
+  <p:cSld>
+    <p:spTree>
+      <p:nvGrpSpPr>
+        <p:cNvPr id="1" name=""/>
+        <p:cNvGrpSpPr/>
+        <p:nvPr/>
+      </p:nvGrpSpPr>
+      <p:grpSpPr>
+        <a:xfrm>
+          <a:off x="0" y="0"/>
+          <a:ext cx="0" cy="0"/>
+          <a:chOff x="0" y="0"/>
+          <a:chExt cx="0" cy="0"/>
+        </a:xfrm>
+      </p:grpSpPr>
+      <p:sp>
+        <p:nvSpPr>
+          <p:cNvPr id="2" name="Slide Image Placeholder 1"/>
+          <p:cNvSpPr>
+            <a:spLocks noGrp="1" noRot="1" noChangeAspect="1"/>
+          </p:cNvSpPr>
+          <p:nvPr>
+            <p:ph type="sldImg"/>
+          </p:nvPr>
+        </p:nvSpPr>
+        <p:spPr/>
+      </p:sp>
+      <p:sp>
+        <p:nvSpPr>
+          <p:cNvPr id="3" name="Notes Placeholder 2"/>
+          <p:cNvSpPr>
+            <a:spLocks noGrp="1"/>
+          </p:cNvSpPr>
+          <p:nvPr>
+            <p:ph type="body" idx="1"/>
+          </p:nvPr>
+        </p:nvSpPr>
+        <p:spPr/>
+        <p:txBody>
+          <a:bodyPr/>
+          <a:lstStyle/>
+          <a:p>
+            <a:r>
+              <a:rPr lang="en-US" dirty="0"/>
+              <a:t>That’s a 93.238% change! </a:t>
+            </a:r>
+          </a:p>
+        </p:txBody>
+      </p:sp>
+      <p:sp>
+        <p:nvSpPr>
+          <p:cNvPr id="4" name="Slide Number Placeholder 3"/>
+          <p:cNvSpPr>
+            <a:spLocks noGrp="1"/>
+          </p:cNvSpPr>
+          <p:nvPr>
+            <p:ph type="sldNum" sz="quarter" idx="5"/>
+          </p:nvPr>
+        </p:nvSpPr>
+        <p:spPr/>
+        <p:txBody>
+          <a:bodyPr/>
+          <a:lstStyle/>
+          <a:p>
+            <a:fld id="{23804759-BC6C-4E6D-A52F-1BE636476B7B}" type="slidenum">
+              <a:rPr lang="en-US" smtClean="0"/>
+              <a:t>12</a:t>
+            </a:fld>
+            <a:endParaRPr lang="en-US"/>
+          </a:p>
+        </p:txBody>
+      </p:sp>
+    </p:spTree>
+    <p:extLst>
+      <p:ext uri="{BB962C8B-B14F-4D97-AF65-F5344CB8AC3E}">
+        <p14:creationId xmlns:p14="http://schemas.microsoft.com/office/powerpoint/2010/main" val="1122511546"/>
+      </p:ext>
+    </p:extLst>
+  </p:cSld>
+  <p:clrMapOvr>
+    <a:masterClrMapping/>
+  </p:clrMapOvr>
+</p:notes>
+</file>
+
 <file path=ppt/slideLayouts/slideLayout1.xml><?xml version="1.0" encoding="utf-8"?>
 <p:sldLayout xmlns:a="http://schemas.openxmlformats.org/drawingml/2006/main" xmlns:r="http://schemas.openxmlformats.org/officeDocument/2006/relationships" xmlns:p="http://schemas.openxmlformats.org/presentationml/2006/main" showMasterSp="0" type="title" preserve="1">
   <p:cSld name="Title Slide">
@@ -348,7 +790,7 @@
             <a:fld id="{8E36636D-D922-432D-A958-524484B5923D}" type="datetimeFigureOut">
               <a:rPr lang="en-US" smtClean="0"/>
               <a:pPr/>
-              <a:t>4/23/2020</a:t>
+              <a:t>4/26/2020</a:t>
             </a:fld>
             <a:endParaRPr lang="en-US"/>
           </a:p>
@@ -695,7 +1137,7 @@
             <a:fld id="{8E36636D-D922-432D-A958-524484B5923D}" type="datetimeFigureOut">
               <a:rPr lang="en-US" smtClean="0"/>
               <a:pPr/>
-              <a:t>4/23/2020</a:t>
+              <a:t>4/26/2020</a:t>
             </a:fld>
             <a:endParaRPr lang="en-US"/>
           </a:p>
@@ -815,7 +1257,7 @@
             <a:fld id="{8E36636D-D922-432D-A958-524484B5923D}" type="datetimeFigureOut">
               <a:rPr lang="en-US" smtClean="0"/>
               <a:pPr/>
-              <a:t>4/23/2020</a:t>
+              <a:t>4/26/2020</a:t>
             </a:fld>
             <a:endParaRPr lang="en-US"/>
           </a:p>
@@ -1186,7 +1628,7 @@
             <a:fld id="{8E36636D-D922-432D-A958-524484B5923D}" type="datetimeFigureOut">
               <a:rPr lang="en-US" smtClean="0"/>
               <a:pPr/>
-              <a:t>4/23/2020</a:t>
+              <a:t>4/26/2020</a:t>
             </a:fld>
             <a:endParaRPr lang="en-US"/>
           </a:p>
@@ -1395,7 +1837,7 @@
             <a:fld id="{8E36636D-D922-432D-A958-524484B5923D}" type="datetimeFigureOut">
               <a:rPr lang="en-US" smtClean="0"/>
               <a:pPr/>
-              <a:t>4/23/2020</a:t>
+              <a:t>4/26/2020</a:t>
             </a:fld>
             <a:endParaRPr lang="en-US"/>
           </a:p>
@@ -1565,7 +2007,7 @@
             <a:fld id="{8E36636D-D922-432D-A958-524484B5923D}" type="datetimeFigureOut">
               <a:rPr lang="en-US" smtClean="0"/>
               <a:pPr/>
-              <a:t>4/23/2020</a:t>
+              <a:t>4/26/2020</a:t>
             </a:fld>
             <a:endParaRPr lang="en-US"/>
           </a:p>
@@ -1885,7 +2327,7 @@
             <a:fld id="{8E36636D-D922-432D-A958-524484B5923D}" type="datetimeFigureOut">
               <a:rPr lang="en-US" smtClean="0"/>
               <a:pPr/>
-              <a:t>4/23/2020</a:t>
+              <a:t>4/26/2020</a:t>
             </a:fld>
             <a:endParaRPr lang="en-US"/>
           </a:p>
@@ -2196,7 +2638,7 @@
             <a:fld id="{8E36636D-D922-432D-A958-524484B5923D}" type="datetimeFigureOut">
               <a:rPr lang="en-US" smtClean="0"/>
               <a:pPr/>
-              <a:t>4/23/2020</a:t>
+              <a:t>4/26/2020</a:t>
             </a:fld>
             <a:endParaRPr lang="en-US"/>
           </a:p>
@@ -2484,7 +2926,7 @@
             <a:fld id="{8E36636D-D922-432D-A958-524484B5923D}" type="datetimeFigureOut">
               <a:rPr lang="en-US" smtClean="0"/>
               <a:pPr/>
-              <a:t>4/23/2020</a:t>
+              <a:t>4/26/2020</a:t>
             </a:fld>
             <a:endParaRPr lang="en-US"/>
           </a:p>
@@ -3064,7 +3506,7 @@
             <a:fld id="{8E36636D-D922-432D-A958-524484B5923D}" type="datetimeFigureOut">
               <a:rPr lang="en-US" smtClean="0"/>
               <a:pPr/>
-              <a:t>4/23/2020</a:t>
+              <a:t>4/26/2020</a:t>
             </a:fld>
             <a:endParaRPr lang="en-US"/>
           </a:p>
@@ -3179,7 +3621,7 @@
             <a:fld id="{8E36636D-D922-432D-A958-524484B5923D}" type="datetimeFigureOut">
               <a:rPr lang="en-US" smtClean="0"/>
               <a:pPr/>
-              <a:t>4/23/2020</a:t>
+              <a:t>4/26/2020</a:t>
             </a:fld>
             <a:endParaRPr lang="en-US"/>
           </a:p>
@@ -3295,7 +3737,7 @@
             <a:fld id="{8E36636D-D922-432D-A958-524484B5923D}" type="datetimeFigureOut">
               <a:rPr lang="en-US" smtClean="0"/>
               <a:pPr/>
-              <a:t>4/23/2020</a:t>
+              <a:t>4/26/2020</a:t>
             </a:fld>
             <a:endParaRPr lang="en-US"/>
           </a:p>
@@ -3650,7 +4092,7 @@
             <a:fld id="{8E36636D-D922-432D-A958-524484B5923D}" type="datetimeFigureOut">
               <a:rPr lang="en-US" smtClean="0"/>
               <a:pPr/>
-              <a:t>4/23/2020</a:t>
+              <a:t>4/26/2020</a:t>
             </a:fld>
             <a:endParaRPr lang="en-US"/>
           </a:p>
@@ -3882,7 +4324,7 @@
             <a:fld id="{8E36636D-D922-432D-A958-524484B5923D}" type="datetimeFigureOut">
               <a:rPr lang="en-US" smtClean="0"/>
               <a:pPr/>
-              <a:t>4/23/2020</a:t>
+              <a:t>4/26/2020</a:t>
             </a:fld>
             <a:endParaRPr lang="en-US"/>
           </a:p>
@@ -4453,7 +4895,7 @@
           <a:p>
             <a:r>
               <a:rPr lang="en-US" dirty="0"/>
-              <a:t>Demonstration</a:t>
+              <a:t>Testing</a:t>
             </a:r>
           </a:p>
         </p:txBody>
@@ -4475,15 +4917,18 @@
           <a:p>
             <a:r>
               <a:rPr lang="en-US" dirty="0"/>
-              <a:t>dextermiller.com</a:t>
-            </a:r>
+              <a:t>Playing the game!</a:t>
+            </a:r>
+          </a:p>
+          <a:p>
+            <a:endParaRPr lang="en-US" dirty="0"/>
           </a:p>
         </p:txBody>
       </p:sp>
     </p:spTree>
     <p:extLst>
       <p:ext uri="{BB962C8B-B14F-4D97-AF65-F5344CB8AC3E}">
-        <p14:creationId xmlns:p14="http://schemas.microsoft.com/office/powerpoint/2010/main" val="2468445757"/>
+        <p14:creationId xmlns:p14="http://schemas.microsoft.com/office/powerpoint/2010/main" val="2478263596"/>
       </p:ext>
     </p:extLst>
   </p:cSld>
@@ -4512,6 +4957,2058 @@
       </p:grpSpPr>
       <p:sp>
         <p:nvSpPr>
+          <p:cNvPr id="2" name="Title 1">
+            <a:extLst>
+              <a:ext uri="{FF2B5EF4-FFF2-40B4-BE49-F238E27FC236}">
+                <a16:creationId xmlns:a16="http://schemas.microsoft.com/office/drawing/2014/main" id="{B1368A97-ED19-4244-A10D-E5D1CEA4A93A}"/>
+              </a:ext>
+            </a:extLst>
+          </p:cNvPr>
+          <p:cNvSpPr>
+            <a:spLocks noGrp="1"/>
+          </p:cNvSpPr>
+          <p:nvPr>
+            <p:ph type="title"/>
+          </p:nvPr>
+        </p:nvSpPr>
+        <p:spPr/>
+        <p:txBody>
+          <a:bodyPr/>
+          <a:lstStyle/>
+          <a:p>
+            <a:r>
+              <a:rPr lang="en-US" dirty="0"/>
+              <a:t>Testing/Data</a:t>
+            </a:r>
+          </a:p>
+        </p:txBody>
+      </p:sp>
+      <p:sp>
+        <p:nvSpPr>
+          <p:cNvPr id="3" name="Content Placeholder 2">
+            <a:extLst>
+              <a:ext uri="{FF2B5EF4-FFF2-40B4-BE49-F238E27FC236}">
+                <a16:creationId xmlns:a16="http://schemas.microsoft.com/office/drawing/2014/main" id="{79BDA99F-8060-45DB-BA0D-C1967A471A1A}"/>
+              </a:ext>
+            </a:extLst>
+          </p:cNvPr>
+          <p:cNvSpPr>
+            <a:spLocks noGrp="1"/>
+          </p:cNvSpPr>
+          <p:nvPr>
+            <p:ph idx="1"/>
+          </p:nvPr>
+        </p:nvSpPr>
+        <p:spPr/>
+        <p:txBody>
+          <a:bodyPr/>
+          <a:lstStyle/>
+          <a:p>
+            <a:pPr lvl="1"/>
+            <a:endParaRPr lang="en-US" dirty="0"/>
+          </a:p>
+        </p:txBody>
+      </p:sp>
+      <p:graphicFrame>
+        <p:nvGraphicFramePr>
+          <p:cNvPr id="4" name="Table 4">
+            <a:extLst>
+              <a:ext uri="{FF2B5EF4-FFF2-40B4-BE49-F238E27FC236}">
+                <a16:creationId xmlns:a16="http://schemas.microsoft.com/office/drawing/2014/main" id="{170E603F-9191-4182-8725-BC47159C3F5D}"/>
+              </a:ext>
+            </a:extLst>
+          </p:cNvPr>
+          <p:cNvGraphicFramePr>
+            <a:graphicFrameLocks noGrp="1"/>
+          </p:cNvGraphicFramePr>
+          <p:nvPr>
+            <p:extLst>
+              <p:ext uri="{D42A27DB-BD31-4B8C-83A1-F6EECF244321}">
+                <p14:modId xmlns:p14="http://schemas.microsoft.com/office/powerpoint/2010/main" val="1039193995"/>
+              </p:ext>
+            </p:extLst>
+          </p:nvPr>
+        </p:nvGraphicFramePr>
+        <p:xfrm>
+          <a:off x="1287812" y="1272421"/>
+          <a:ext cx="6566790" cy="4946570"/>
+        </p:xfrm>
+        <a:graphic>
+          <a:graphicData uri="http://schemas.openxmlformats.org/drawingml/2006/table">
+            <a:tbl>
+              <a:tblPr firstRow="1" bandRow="1">
+                <a:tableStyleId>{5C22544A-7EE6-4342-B048-85BDC9FD1C3A}</a:tableStyleId>
+              </a:tblPr>
+              <a:tblGrid>
+                <a:gridCol w="2004500">
+                  <a:extLst>
+                    <a:ext uri="{9D8B030D-6E8A-4147-A177-3AD203B41FA5}">
+                      <a16:colId xmlns:a16="http://schemas.microsoft.com/office/drawing/2014/main" val="2111776953"/>
+                    </a:ext>
+                  </a:extLst>
+                </a:gridCol>
+                <a:gridCol w="2281145">
+                  <a:extLst>
+                    <a:ext uri="{9D8B030D-6E8A-4147-A177-3AD203B41FA5}">
+                      <a16:colId xmlns:a16="http://schemas.microsoft.com/office/drawing/2014/main" val="985826083"/>
+                    </a:ext>
+                  </a:extLst>
+                </a:gridCol>
+                <a:gridCol w="2281145">
+                  <a:extLst>
+                    <a:ext uri="{9D8B030D-6E8A-4147-A177-3AD203B41FA5}">
+                      <a16:colId xmlns:a16="http://schemas.microsoft.com/office/drawing/2014/main" val="2425929630"/>
+                    </a:ext>
+                  </a:extLst>
+                </a:gridCol>
+              </a:tblGrid>
+              <a:tr h="448699">
+                <a:tc gridSpan="3">
+                  <a:txBody>
+                    <a:bodyPr/>
+                    <a:lstStyle/>
+                    <a:p>
+                      <a:pPr algn="ctr"/>
+                      <a:r>
+                        <a:rPr lang="en-US" dirty="0"/>
+                        <a:t>Tic-Tac-Toe (Minimax)</a:t>
+                      </a:r>
+                    </a:p>
+                  </a:txBody>
+                  <a:tcPr anchor="ctr"/>
+                </a:tc>
+                <a:tc hMerge="1">
+                  <a:txBody>
+                    <a:bodyPr/>
+                    <a:lstStyle/>
+                    <a:p>
+                      <a:endParaRPr lang="en-US" dirty="0"/>
+                    </a:p>
+                  </a:txBody>
+                  <a:tcPr/>
+                </a:tc>
+                <a:tc hMerge="1">
+                  <a:txBody>
+                    <a:bodyPr/>
+                    <a:lstStyle/>
+                    <a:p>
+                      <a:endParaRPr lang="en-US" dirty="0"/>
+                    </a:p>
+                  </a:txBody>
+                  <a:tcPr/>
+                </a:tc>
+                <a:extLst>
+                  <a:ext uri="{0D108BD9-81ED-4DB2-BD59-A6C34878D82A}">
+                    <a16:rowId xmlns:a16="http://schemas.microsoft.com/office/drawing/2014/main" val="884998070"/>
+                  </a:ext>
+                </a:extLst>
+              </a:tr>
+              <a:tr h="448699">
+                <a:tc>
+                  <a:txBody>
+                    <a:bodyPr/>
+                    <a:lstStyle/>
+                    <a:p>
+                      <a:r>
+                        <a:rPr lang="en-US" dirty="0"/>
+                        <a:t>Moves on board</a:t>
+                      </a:r>
+                    </a:p>
+                  </a:txBody>
+                  <a:tcPr/>
+                </a:tc>
+                <a:tc>
+                  <a:txBody>
+                    <a:bodyPr/>
+                    <a:lstStyle/>
+                    <a:p>
+                      <a:r>
+                        <a:rPr lang="en-US" dirty="0"/>
+                        <a:t>Iterations</a:t>
+                      </a:r>
+                    </a:p>
+                  </a:txBody>
+                  <a:tcPr/>
+                </a:tc>
+                <a:tc>
+                  <a:txBody>
+                    <a:bodyPr/>
+                    <a:lstStyle/>
+                    <a:p>
+                      <a:r>
+                        <a:rPr lang="en-US" dirty="0"/>
+                        <a:t>Average Time</a:t>
+                      </a:r>
+                    </a:p>
+                    <a:p>
+                      <a:r>
+                        <a:rPr lang="en-US" dirty="0"/>
+                        <a:t>(</a:t>
+                      </a:r>
+                      <a:r>
+                        <a:rPr lang="en-US" dirty="0" err="1"/>
+                        <a:t>ms</a:t>
+                      </a:r>
+                      <a:r>
+                        <a:rPr lang="en-US" dirty="0"/>
+                        <a:t>)</a:t>
+                      </a:r>
+                    </a:p>
+                  </a:txBody>
+                  <a:tcPr/>
+                </a:tc>
+                <a:extLst>
+                  <a:ext uri="{0D108BD9-81ED-4DB2-BD59-A6C34878D82A}">
+                    <a16:rowId xmlns:a16="http://schemas.microsoft.com/office/drawing/2014/main" val="664291562"/>
+                  </a:ext>
+                </a:extLst>
+              </a:tr>
+              <a:tr h="412507">
+                <a:tc>
+                  <a:txBody>
+                    <a:bodyPr/>
+                    <a:lstStyle/>
+                    <a:p>
+                      <a:r>
+                        <a:rPr lang="en-US" dirty="0"/>
+                        <a:t>1</a:t>
+                      </a:r>
+                    </a:p>
+                  </a:txBody>
+                  <a:tcPr/>
+                </a:tc>
+                <a:tc>
+                  <a:txBody>
+                    <a:bodyPr/>
+                    <a:lstStyle/>
+                    <a:p>
+                      <a:r>
+                        <a:rPr lang="en-US" dirty="0"/>
+                        <a:t>549,946</a:t>
+                      </a:r>
+                    </a:p>
+                  </a:txBody>
+                  <a:tcPr/>
+                </a:tc>
+                <a:tc>
+                  <a:txBody>
+                    <a:bodyPr/>
+                    <a:lstStyle/>
+                    <a:p>
+                      <a:r>
+                        <a:rPr lang="en-US" dirty="0"/>
+                        <a:t>211.765</a:t>
+                      </a:r>
+                    </a:p>
+                  </a:txBody>
+                  <a:tcPr/>
+                </a:tc>
+                <a:extLst>
+                  <a:ext uri="{0D108BD9-81ED-4DB2-BD59-A6C34878D82A}">
+                    <a16:rowId xmlns:a16="http://schemas.microsoft.com/office/drawing/2014/main" val="1907891118"/>
+                  </a:ext>
+                </a:extLst>
+              </a:tr>
+              <a:tr h="604194">
+                <a:tc>
+                  <a:txBody>
+                    <a:bodyPr/>
+                    <a:lstStyle/>
+                    <a:p>
+                      <a:r>
+                        <a:rPr lang="en-US" dirty="0"/>
+                        <a:t>2</a:t>
+                      </a:r>
+                    </a:p>
+                  </a:txBody>
+                  <a:tcPr/>
+                </a:tc>
+                <a:tc>
+                  <a:txBody>
+                    <a:bodyPr/>
+                    <a:lstStyle/>
+                    <a:p>
+                      <a:r>
+                        <a:rPr lang="en-US" dirty="0"/>
+                        <a:t>59,705</a:t>
+                      </a:r>
+                    </a:p>
+                  </a:txBody>
+                  <a:tcPr/>
+                </a:tc>
+                <a:tc>
+                  <a:txBody>
+                    <a:bodyPr/>
+                    <a:lstStyle/>
+                    <a:p>
+                      <a:r>
+                        <a:rPr lang="en-US" dirty="0"/>
+                        <a:t>22.5775</a:t>
+                      </a:r>
+                    </a:p>
+                  </a:txBody>
+                  <a:tcPr/>
+                </a:tc>
+                <a:extLst>
+                  <a:ext uri="{0D108BD9-81ED-4DB2-BD59-A6C34878D82A}">
+                    <a16:rowId xmlns:a16="http://schemas.microsoft.com/office/drawing/2014/main" val="2136982091"/>
+                  </a:ext>
+                </a:extLst>
+              </a:tr>
+              <a:tr h="412507">
+                <a:tc>
+                  <a:txBody>
+                    <a:bodyPr/>
+                    <a:lstStyle/>
+                    <a:p>
+                      <a:r>
+                        <a:rPr lang="en-US" dirty="0"/>
+                        <a:t>3</a:t>
+                      </a:r>
+                    </a:p>
+                  </a:txBody>
+                  <a:tcPr/>
+                </a:tc>
+                <a:tc>
+                  <a:txBody>
+                    <a:bodyPr/>
+                    <a:lstStyle/>
+                    <a:p>
+                      <a:r>
+                        <a:rPr lang="en-US" dirty="0"/>
+                        <a:t>7332</a:t>
+                      </a:r>
+                    </a:p>
+                  </a:txBody>
+                  <a:tcPr/>
+                </a:tc>
+                <a:tc>
+                  <a:txBody>
+                    <a:bodyPr/>
+                    <a:lstStyle/>
+                    <a:p>
+                      <a:r>
+                        <a:rPr lang="en-US" dirty="0"/>
+                        <a:t>2.694166</a:t>
+                      </a:r>
+                    </a:p>
+                  </a:txBody>
+                  <a:tcPr/>
+                </a:tc>
+                <a:extLst>
+                  <a:ext uri="{0D108BD9-81ED-4DB2-BD59-A6C34878D82A}">
+                    <a16:rowId xmlns:a16="http://schemas.microsoft.com/office/drawing/2014/main" val="278352798"/>
+                  </a:ext>
+                </a:extLst>
+              </a:tr>
+              <a:tr h="412507">
+                <a:tc>
+                  <a:txBody>
+                    <a:bodyPr/>
+                    <a:lstStyle/>
+                    <a:p>
+                      <a:r>
+                        <a:rPr lang="en-US" dirty="0"/>
+                        <a:t>4</a:t>
+                      </a:r>
+                    </a:p>
+                  </a:txBody>
+                  <a:tcPr/>
+                </a:tc>
+                <a:tc>
+                  <a:txBody>
+                    <a:bodyPr/>
+                    <a:lstStyle/>
+                    <a:p>
+                      <a:r>
+                        <a:rPr lang="en-US" dirty="0"/>
+                        <a:t>935</a:t>
+                      </a:r>
+                    </a:p>
+                  </a:txBody>
+                  <a:tcPr/>
+                </a:tc>
+                <a:tc>
+                  <a:txBody>
+                    <a:bodyPr/>
+                    <a:lstStyle/>
+                    <a:p>
+                      <a:r>
+                        <a:rPr lang="en-US" dirty="0"/>
+                        <a:t>0.364166</a:t>
+                      </a:r>
+                    </a:p>
+                  </a:txBody>
+                  <a:tcPr/>
+                </a:tc>
+                <a:extLst>
+                  <a:ext uri="{0D108BD9-81ED-4DB2-BD59-A6C34878D82A}">
+                    <a16:rowId xmlns:a16="http://schemas.microsoft.com/office/drawing/2014/main" val="348394591"/>
+                  </a:ext>
+                </a:extLst>
+              </a:tr>
+              <a:tr h="366048">
+                <a:tc>
+                  <a:txBody>
+                    <a:bodyPr/>
+                    <a:lstStyle/>
+                    <a:p>
+                      <a:r>
+                        <a:rPr lang="en-US" dirty="0"/>
+                        <a:t>5</a:t>
+                      </a:r>
+                    </a:p>
+                  </a:txBody>
+                  <a:tcPr/>
+                </a:tc>
+                <a:tc>
+                  <a:txBody>
+                    <a:bodyPr/>
+                    <a:lstStyle/>
+                    <a:p>
+                      <a:r>
+                        <a:rPr lang="en-US" dirty="0"/>
+                        <a:t>198</a:t>
+                      </a:r>
+                    </a:p>
+                  </a:txBody>
+                  <a:tcPr/>
+                </a:tc>
+                <a:tc>
+                  <a:txBody>
+                    <a:bodyPr/>
+                    <a:lstStyle/>
+                    <a:p>
+                      <a:r>
+                        <a:rPr lang="en-US" dirty="0"/>
+                        <a:t>0.101667</a:t>
+                      </a:r>
+                    </a:p>
+                  </a:txBody>
+                  <a:tcPr/>
+                </a:tc>
+                <a:extLst>
+                  <a:ext uri="{0D108BD9-81ED-4DB2-BD59-A6C34878D82A}">
+                    <a16:rowId xmlns:a16="http://schemas.microsoft.com/office/drawing/2014/main" val="2651278705"/>
+                  </a:ext>
+                </a:extLst>
+              </a:tr>
+              <a:tr h="412507">
+                <a:tc>
+                  <a:txBody>
+                    <a:bodyPr/>
+                    <a:lstStyle/>
+                    <a:p>
+                      <a:r>
+                        <a:rPr lang="en-US" dirty="0"/>
+                        <a:t>6</a:t>
+                      </a:r>
+                    </a:p>
+                  </a:txBody>
+                  <a:tcPr/>
+                </a:tc>
+                <a:tc>
+                  <a:txBody>
+                    <a:bodyPr/>
+                    <a:lstStyle/>
+                    <a:p>
+                      <a:r>
+                        <a:rPr lang="en-US" dirty="0"/>
+                        <a:t>47</a:t>
+                      </a:r>
+                    </a:p>
+                  </a:txBody>
+                  <a:tcPr/>
+                </a:tc>
+                <a:tc>
+                  <a:txBody>
+                    <a:bodyPr/>
+                    <a:lstStyle/>
+                    <a:p>
+                      <a:r>
+                        <a:rPr lang="en-US" dirty="0"/>
+                        <a:t>0.13</a:t>
+                      </a:r>
+                    </a:p>
+                  </a:txBody>
+                  <a:tcPr/>
+                </a:tc>
+                <a:extLst>
+                  <a:ext uri="{0D108BD9-81ED-4DB2-BD59-A6C34878D82A}">
+                    <a16:rowId xmlns:a16="http://schemas.microsoft.com/office/drawing/2014/main" val="1736766851"/>
+                  </a:ext>
+                </a:extLst>
+              </a:tr>
+              <a:tr h="412507">
+                <a:tc>
+                  <a:txBody>
+                    <a:bodyPr/>
+                    <a:lstStyle/>
+                    <a:p>
+                      <a:r>
+                        <a:rPr lang="en-US" dirty="0"/>
+                        <a:t>7</a:t>
+                      </a:r>
+                    </a:p>
+                  </a:txBody>
+                  <a:tcPr/>
+                </a:tc>
+                <a:tc>
+                  <a:txBody>
+                    <a:bodyPr/>
+                    <a:lstStyle/>
+                    <a:p>
+                      <a:r>
+                        <a:rPr lang="en-US" dirty="0"/>
+                        <a:t>14</a:t>
+                      </a:r>
+                    </a:p>
+                  </a:txBody>
+                  <a:tcPr/>
+                </a:tc>
+                <a:tc>
+                  <a:txBody>
+                    <a:bodyPr/>
+                    <a:lstStyle/>
+                    <a:p>
+                      <a:r>
+                        <a:rPr lang="en-US" dirty="0"/>
+                        <a:t>0.024167</a:t>
+                      </a:r>
+                    </a:p>
+                  </a:txBody>
+                  <a:tcPr/>
+                </a:tc>
+                <a:extLst>
+                  <a:ext uri="{0D108BD9-81ED-4DB2-BD59-A6C34878D82A}">
+                    <a16:rowId xmlns:a16="http://schemas.microsoft.com/office/drawing/2014/main" val="1965004852"/>
+                  </a:ext>
+                </a:extLst>
+              </a:tr>
+              <a:tr h="412507">
+                <a:tc>
+                  <a:txBody>
+                    <a:bodyPr/>
+                    <a:lstStyle/>
+                    <a:p>
+                      <a:r>
+                        <a:rPr lang="en-US" dirty="0"/>
+                        <a:t>8</a:t>
+                      </a:r>
+                    </a:p>
+                  </a:txBody>
+                  <a:tcPr/>
+                </a:tc>
+                <a:tc>
+                  <a:txBody>
+                    <a:bodyPr/>
+                    <a:lstStyle/>
+                    <a:p>
+                      <a:r>
+                        <a:rPr lang="en-US" dirty="0"/>
+                        <a:t>5</a:t>
+                      </a:r>
+                    </a:p>
+                  </a:txBody>
+                  <a:tcPr/>
+                </a:tc>
+                <a:tc>
+                  <a:txBody>
+                    <a:bodyPr/>
+                    <a:lstStyle/>
+                    <a:p>
+                      <a:r>
+                        <a:rPr lang="en-US" dirty="0"/>
+                        <a:t>0.01</a:t>
+                      </a:r>
+                    </a:p>
+                  </a:txBody>
+                  <a:tcPr/>
+                </a:tc>
+                <a:extLst>
+                  <a:ext uri="{0D108BD9-81ED-4DB2-BD59-A6C34878D82A}">
+                    <a16:rowId xmlns:a16="http://schemas.microsoft.com/office/drawing/2014/main" val="553889379"/>
+                  </a:ext>
+                </a:extLst>
+              </a:tr>
+              <a:tr h="412507">
+                <a:tc>
+                  <a:txBody>
+                    <a:bodyPr/>
+                    <a:lstStyle/>
+                    <a:p>
+                      <a:r>
+                        <a:rPr lang="en-US" dirty="0"/>
+                        <a:t>9</a:t>
+                      </a:r>
+                    </a:p>
+                  </a:txBody>
+                  <a:tcPr/>
+                </a:tc>
+                <a:tc>
+                  <a:txBody>
+                    <a:bodyPr/>
+                    <a:lstStyle/>
+                    <a:p>
+                      <a:r>
+                        <a:rPr lang="en-US" dirty="0"/>
+                        <a:t>2</a:t>
+                      </a:r>
+                    </a:p>
+                  </a:txBody>
+                  <a:tcPr/>
+                </a:tc>
+                <a:tc>
+                  <a:txBody>
+                    <a:bodyPr/>
+                    <a:lstStyle/>
+                    <a:p>
+                      <a:r>
+                        <a:rPr lang="en-US" dirty="0"/>
+                        <a:t>0.008333</a:t>
+                      </a:r>
+                    </a:p>
+                  </a:txBody>
+                  <a:tcPr/>
+                </a:tc>
+                <a:extLst>
+                  <a:ext uri="{0D108BD9-81ED-4DB2-BD59-A6C34878D82A}">
+                    <a16:rowId xmlns:a16="http://schemas.microsoft.com/office/drawing/2014/main" val="3972969693"/>
+                  </a:ext>
+                </a:extLst>
+              </a:tr>
+            </a:tbl>
+          </a:graphicData>
+        </a:graphic>
+      </p:graphicFrame>
+    </p:spTree>
+    <p:extLst>
+      <p:ext uri="{BB962C8B-B14F-4D97-AF65-F5344CB8AC3E}">
+        <p14:creationId xmlns:p14="http://schemas.microsoft.com/office/powerpoint/2010/main" val="3758331537"/>
+      </p:ext>
+    </p:extLst>
+  </p:cSld>
+  <p:clrMapOvr>
+    <a:masterClrMapping/>
+  </p:clrMapOvr>
+</p:sld>
+</file>
+
+<file path=ppt/slides/slide12.xml><?xml version="1.0" encoding="utf-8"?>
+<p:sld xmlns:a="http://schemas.openxmlformats.org/drawingml/2006/main" xmlns:r="http://schemas.openxmlformats.org/officeDocument/2006/relationships" xmlns:p="http://schemas.openxmlformats.org/presentationml/2006/main">
+  <p:cSld>
+    <p:spTree>
+      <p:nvGrpSpPr>
+        <p:cNvPr id="1" name=""/>
+        <p:cNvGrpSpPr/>
+        <p:nvPr/>
+      </p:nvGrpSpPr>
+      <p:grpSpPr>
+        <a:xfrm>
+          <a:off x="0" y="0"/>
+          <a:ext cx="0" cy="0"/>
+          <a:chOff x="0" y="0"/>
+          <a:chExt cx="0" cy="0"/>
+        </a:xfrm>
+      </p:grpSpPr>
+      <p:sp>
+        <p:nvSpPr>
+          <p:cNvPr id="2" name="Title 1">
+            <a:extLst>
+              <a:ext uri="{FF2B5EF4-FFF2-40B4-BE49-F238E27FC236}">
+                <a16:creationId xmlns:a16="http://schemas.microsoft.com/office/drawing/2014/main" id="{4D9AC297-F584-4021-8407-878B45D8CBA4}"/>
+              </a:ext>
+            </a:extLst>
+          </p:cNvPr>
+          <p:cNvSpPr>
+            <a:spLocks noGrp="1"/>
+          </p:cNvSpPr>
+          <p:nvPr>
+            <p:ph type="title"/>
+          </p:nvPr>
+        </p:nvSpPr>
+        <p:spPr/>
+        <p:txBody>
+          <a:bodyPr/>
+          <a:lstStyle/>
+          <a:p>
+            <a:r>
+              <a:rPr lang="en-US" dirty="0"/>
+              <a:t>Testing/Data</a:t>
+            </a:r>
+          </a:p>
+        </p:txBody>
+      </p:sp>
+      <p:sp>
+        <p:nvSpPr>
+          <p:cNvPr id="3" name="Content Placeholder 2">
+            <a:extLst>
+              <a:ext uri="{FF2B5EF4-FFF2-40B4-BE49-F238E27FC236}">
+                <a16:creationId xmlns:a16="http://schemas.microsoft.com/office/drawing/2014/main" id="{7CB1FF92-5707-4688-949E-EC780E536F11}"/>
+              </a:ext>
+            </a:extLst>
+          </p:cNvPr>
+          <p:cNvSpPr>
+            <a:spLocks noGrp="1"/>
+          </p:cNvSpPr>
+          <p:nvPr>
+            <p:ph idx="1"/>
+          </p:nvPr>
+        </p:nvSpPr>
+        <p:spPr/>
+        <p:txBody>
+          <a:bodyPr/>
+          <a:lstStyle/>
+          <a:p>
+            <a:endParaRPr lang="en-US" dirty="0"/>
+          </a:p>
+        </p:txBody>
+      </p:sp>
+      <p:graphicFrame>
+        <p:nvGraphicFramePr>
+          <p:cNvPr id="4" name="Table 4">
+            <a:extLst>
+              <a:ext uri="{FF2B5EF4-FFF2-40B4-BE49-F238E27FC236}">
+                <a16:creationId xmlns:a16="http://schemas.microsoft.com/office/drawing/2014/main" id="{F5F6C72A-A818-43DE-AB8B-7B72E67E21AD}"/>
+              </a:ext>
+            </a:extLst>
+          </p:cNvPr>
+          <p:cNvGraphicFramePr>
+            <a:graphicFrameLocks noGrp="1"/>
+          </p:cNvGraphicFramePr>
+          <p:nvPr>
+            <p:extLst>
+              <p:ext uri="{D42A27DB-BD31-4B8C-83A1-F6EECF244321}">
+                <p14:modId xmlns:p14="http://schemas.microsoft.com/office/powerpoint/2010/main" val="3460126157"/>
+              </p:ext>
+            </p:extLst>
+          </p:nvPr>
+        </p:nvGraphicFramePr>
+        <p:xfrm>
+          <a:off x="116554" y="1347363"/>
+          <a:ext cx="4491197" cy="5239051"/>
+        </p:xfrm>
+        <a:graphic>
+          <a:graphicData uri="http://schemas.openxmlformats.org/drawingml/2006/table">
+            <a:tbl>
+              <a:tblPr firstRow="1" bandRow="1">
+                <a:tableStyleId>{5C22544A-7EE6-4342-B048-85BDC9FD1C3A}</a:tableStyleId>
+              </a:tblPr>
+              <a:tblGrid>
+                <a:gridCol w="1370929">
+                  <a:extLst>
+                    <a:ext uri="{9D8B030D-6E8A-4147-A177-3AD203B41FA5}">
+                      <a16:colId xmlns:a16="http://schemas.microsoft.com/office/drawing/2014/main" val="2111776953"/>
+                    </a:ext>
+                  </a:extLst>
+                </a:gridCol>
+                <a:gridCol w="1560134">
+                  <a:extLst>
+                    <a:ext uri="{9D8B030D-6E8A-4147-A177-3AD203B41FA5}">
+                      <a16:colId xmlns:a16="http://schemas.microsoft.com/office/drawing/2014/main" val="985826083"/>
+                    </a:ext>
+                  </a:extLst>
+                </a:gridCol>
+                <a:gridCol w="1560134">
+                  <a:extLst>
+                    <a:ext uri="{9D8B030D-6E8A-4147-A177-3AD203B41FA5}">
+                      <a16:colId xmlns:a16="http://schemas.microsoft.com/office/drawing/2014/main" val="2425929630"/>
+                    </a:ext>
+                  </a:extLst>
+                </a:gridCol>
+              </a:tblGrid>
+              <a:tr h="408081">
+                <a:tc gridSpan="3">
+                  <a:txBody>
+                    <a:bodyPr/>
+                    <a:lstStyle/>
+                    <a:p>
+                      <a:pPr algn="ctr"/>
+                      <a:r>
+                        <a:rPr lang="en-US" dirty="0"/>
+                        <a:t>Connect 4 (Minimax)</a:t>
+                      </a:r>
+                    </a:p>
+                  </a:txBody>
+                  <a:tcPr anchor="ctr"/>
+                </a:tc>
+                <a:tc hMerge="1">
+                  <a:txBody>
+                    <a:bodyPr/>
+                    <a:lstStyle/>
+                    <a:p>
+                      <a:endParaRPr lang="en-US" dirty="0"/>
+                    </a:p>
+                  </a:txBody>
+                  <a:tcPr/>
+                </a:tc>
+                <a:tc hMerge="1">
+                  <a:txBody>
+                    <a:bodyPr/>
+                    <a:lstStyle/>
+                    <a:p>
+                      <a:endParaRPr lang="en-US" dirty="0"/>
+                    </a:p>
+                  </a:txBody>
+                  <a:tcPr/>
+                </a:tc>
+                <a:extLst>
+                  <a:ext uri="{0D108BD9-81ED-4DB2-BD59-A6C34878D82A}">
+                    <a16:rowId xmlns:a16="http://schemas.microsoft.com/office/drawing/2014/main" val="884998070"/>
+                  </a:ext>
+                </a:extLst>
+              </a:tr>
+              <a:tr h="901178">
+                <a:tc>
+                  <a:txBody>
+                    <a:bodyPr/>
+                    <a:lstStyle/>
+                    <a:p>
+                      <a:r>
+                        <a:rPr lang="en-US" dirty="0"/>
+                        <a:t>Moves on board</a:t>
+                      </a:r>
+                    </a:p>
+                  </a:txBody>
+                  <a:tcPr/>
+                </a:tc>
+                <a:tc>
+                  <a:txBody>
+                    <a:bodyPr/>
+                    <a:lstStyle/>
+                    <a:p>
+                      <a:r>
+                        <a:rPr lang="en-US" dirty="0"/>
+                        <a:t>Iterations</a:t>
+                      </a:r>
+                    </a:p>
+                  </a:txBody>
+                  <a:tcPr/>
+                </a:tc>
+                <a:tc>
+                  <a:txBody>
+                    <a:bodyPr/>
+                    <a:lstStyle/>
+                    <a:p>
+                      <a:r>
+                        <a:rPr lang="en-US" dirty="0"/>
+                        <a:t>Average Time</a:t>
+                      </a:r>
+                    </a:p>
+                    <a:p>
+                      <a:r>
+                        <a:rPr lang="en-US" dirty="0"/>
+                        <a:t>(</a:t>
+                      </a:r>
+                      <a:r>
+                        <a:rPr lang="en-US" dirty="0" err="1"/>
+                        <a:t>ms</a:t>
+                      </a:r>
+                      <a:r>
+                        <a:rPr lang="en-US" dirty="0"/>
+                        <a:t>)</a:t>
+                      </a:r>
+                    </a:p>
+                  </a:txBody>
+                  <a:tcPr/>
+                </a:tc>
+                <a:extLst>
+                  <a:ext uri="{0D108BD9-81ED-4DB2-BD59-A6C34878D82A}">
+                    <a16:rowId xmlns:a16="http://schemas.microsoft.com/office/drawing/2014/main" val="664291562"/>
+                  </a:ext>
+                </a:extLst>
+              </a:tr>
+              <a:tr h="375164">
+                <a:tc>
+                  <a:txBody>
+                    <a:bodyPr/>
+                    <a:lstStyle/>
+                    <a:p>
+                      <a:r>
+                        <a:rPr lang="en-US" dirty="0"/>
+                        <a:t>1</a:t>
+                      </a:r>
+                    </a:p>
+                  </a:txBody>
+                  <a:tcPr/>
+                </a:tc>
+                <a:tc>
+                  <a:txBody>
+                    <a:bodyPr/>
+                    <a:lstStyle/>
+                    <a:p>
+                      <a:r>
+                        <a:rPr lang="en-US" dirty="0"/>
+                        <a:t>137257</a:t>
+                      </a:r>
+                    </a:p>
+                  </a:txBody>
+                  <a:tcPr/>
+                </a:tc>
+                <a:tc>
+                  <a:txBody>
+                    <a:bodyPr/>
+                    <a:lstStyle/>
+                    <a:p>
+                      <a:r>
+                        <a:rPr lang="en-US" dirty="0"/>
+                        <a:t>981.1533</a:t>
+                      </a:r>
+                    </a:p>
+                  </a:txBody>
+                  <a:tcPr/>
+                </a:tc>
+                <a:extLst>
+                  <a:ext uri="{0D108BD9-81ED-4DB2-BD59-A6C34878D82A}">
+                    <a16:rowId xmlns:a16="http://schemas.microsoft.com/office/drawing/2014/main" val="1907891118"/>
+                  </a:ext>
+                </a:extLst>
+              </a:tr>
+              <a:tr h="549498">
+                <a:tc>
+                  <a:txBody>
+                    <a:bodyPr/>
+                    <a:lstStyle/>
+                    <a:p>
+                      <a:r>
+                        <a:rPr lang="en-US" dirty="0"/>
+                        <a:t>2</a:t>
+                      </a:r>
+                    </a:p>
+                  </a:txBody>
+                  <a:tcPr/>
+                </a:tc>
+                <a:tc>
+                  <a:txBody>
+                    <a:bodyPr/>
+                    <a:lstStyle/>
+                    <a:p>
+                      <a:r>
+                        <a:rPr lang="en-US" dirty="0"/>
+                        <a:t>137256</a:t>
+                      </a:r>
+                    </a:p>
+                  </a:txBody>
+                  <a:tcPr/>
+                </a:tc>
+                <a:tc>
+                  <a:txBody>
+                    <a:bodyPr/>
+                    <a:lstStyle/>
+                    <a:p>
+                      <a:r>
+                        <a:rPr lang="en-US" dirty="0"/>
+                        <a:t>869.0908</a:t>
+                      </a:r>
+                    </a:p>
+                  </a:txBody>
+                  <a:tcPr/>
+                </a:tc>
+                <a:extLst>
+                  <a:ext uri="{0D108BD9-81ED-4DB2-BD59-A6C34878D82A}">
+                    <a16:rowId xmlns:a16="http://schemas.microsoft.com/office/drawing/2014/main" val="2136982091"/>
+                  </a:ext>
+                </a:extLst>
+              </a:tr>
+              <a:tr h="375164">
+                <a:tc>
+                  <a:txBody>
+                    <a:bodyPr/>
+                    <a:lstStyle/>
+                    <a:p>
+                      <a:r>
+                        <a:rPr lang="en-US" dirty="0"/>
+                        <a:t>3</a:t>
+                      </a:r>
+                    </a:p>
+                  </a:txBody>
+                  <a:tcPr/>
+                </a:tc>
+                <a:tc>
+                  <a:txBody>
+                    <a:bodyPr/>
+                    <a:lstStyle/>
+                    <a:p>
+                      <a:r>
+                        <a:rPr lang="en-US" dirty="0"/>
+                        <a:t>135743</a:t>
+                      </a:r>
+                    </a:p>
+                  </a:txBody>
+                  <a:tcPr/>
+                </a:tc>
+                <a:tc>
+                  <a:txBody>
+                    <a:bodyPr/>
+                    <a:lstStyle/>
+                    <a:p>
+                      <a:r>
+                        <a:rPr lang="en-US" dirty="0"/>
+                        <a:t>853.895</a:t>
+                      </a:r>
+                    </a:p>
+                  </a:txBody>
+                  <a:tcPr/>
+                </a:tc>
+                <a:extLst>
+                  <a:ext uri="{0D108BD9-81ED-4DB2-BD59-A6C34878D82A}">
+                    <a16:rowId xmlns:a16="http://schemas.microsoft.com/office/drawing/2014/main" val="278352798"/>
+                  </a:ext>
+                </a:extLst>
+              </a:tr>
+              <a:tr h="375164">
+                <a:tc>
+                  <a:txBody>
+                    <a:bodyPr/>
+                    <a:lstStyle/>
+                    <a:p>
+                      <a:r>
+                        <a:rPr lang="en-US" dirty="0"/>
+                        <a:t>4</a:t>
+                      </a:r>
+                    </a:p>
+                  </a:txBody>
+                  <a:tcPr/>
+                </a:tc>
+                <a:tc>
+                  <a:txBody>
+                    <a:bodyPr/>
+                    <a:lstStyle/>
+                    <a:p>
+                      <a:r>
+                        <a:rPr lang="en-US" dirty="0"/>
+                        <a:t>137218</a:t>
+                      </a:r>
+                    </a:p>
+                  </a:txBody>
+                  <a:tcPr/>
+                </a:tc>
+                <a:tc>
+                  <a:txBody>
+                    <a:bodyPr/>
+                    <a:lstStyle/>
+                    <a:p>
+                      <a:r>
+                        <a:rPr lang="en-US" dirty="0"/>
+                        <a:t>859.4117</a:t>
+                      </a:r>
+                    </a:p>
+                  </a:txBody>
+                  <a:tcPr/>
+                </a:tc>
+                <a:extLst>
+                  <a:ext uri="{0D108BD9-81ED-4DB2-BD59-A6C34878D82A}">
+                    <a16:rowId xmlns:a16="http://schemas.microsoft.com/office/drawing/2014/main" val="348394591"/>
+                  </a:ext>
+                </a:extLst>
+              </a:tr>
+              <a:tr h="360471">
+                <a:tc>
+                  <a:txBody>
+                    <a:bodyPr/>
+                    <a:lstStyle/>
+                    <a:p>
+                      <a:r>
+                        <a:rPr lang="en-US" dirty="0"/>
+                        <a:t>5</a:t>
+                      </a:r>
+                    </a:p>
+                  </a:txBody>
+                  <a:tcPr/>
+                </a:tc>
+                <a:tc>
+                  <a:txBody>
+                    <a:bodyPr/>
+                    <a:lstStyle/>
+                    <a:p>
+                      <a:r>
+                        <a:rPr lang="en-US" dirty="0"/>
+                        <a:t>135669</a:t>
+                      </a:r>
+                    </a:p>
+                  </a:txBody>
+                  <a:tcPr/>
+                </a:tc>
+                <a:tc>
+                  <a:txBody>
+                    <a:bodyPr/>
+                    <a:lstStyle/>
+                    <a:p>
+                      <a:r>
+                        <a:rPr lang="en-US" dirty="0"/>
+                        <a:t>896.1308</a:t>
+                      </a:r>
+                    </a:p>
+                  </a:txBody>
+                  <a:tcPr/>
+                </a:tc>
+                <a:extLst>
+                  <a:ext uri="{0D108BD9-81ED-4DB2-BD59-A6C34878D82A}">
+                    <a16:rowId xmlns:a16="http://schemas.microsoft.com/office/drawing/2014/main" val="2651278705"/>
+                  </a:ext>
+                </a:extLst>
+              </a:tr>
+              <a:tr h="375164">
+                <a:tc>
+                  <a:txBody>
+                    <a:bodyPr/>
+                    <a:lstStyle/>
+                    <a:p>
+                      <a:r>
+                        <a:rPr lang="en-US" dirty="0"/>
+                        <a:t>6</a:t>
+                      </a:r>
+                    </a:p>
+                  </a:txBody>
+                  <a:tcPr/>
+                </a:tc>
+                <a:tc>
+                  <a:txBody>
+                    <a:bodyPr/>
+                    <a:lstStyle/>
+                    <a:p>
+                      <a:r>
+                        <a:rPr lang="en-US" dirty="0"/>
+                        <a:t>134385</a:t>
+                      </a:r>
+                    </a:p>
+                  </a:txBody>
+                  <a:tcPr/>
+                </a:tc>
+                <a:tc>
+                  <a:txBody>
+                    <a:bodyPr/>
+                    <a:lstStyle/>
+                    <a:p>
+                      <a:r>
+                        <a:rPr lang="en-US" dirty="0"/>
+                        <a:t>848.8608</a:t>
+                      </a:r>
+                    </a:p>
+                  </a:txBody>
+                  <a:tcPr/>
+                </a:tc>
+                <a:extLst>
+                  <a:ext uri="{0D108BD9-81ED-4DB2-BD59-A6C34878D82A}">
+                    <a16:rowId xmlns:a16="http://schemas.microsoft.com/office/drawing/2014/main" val="1736766851"/>
+                  </a:ext>
+                </a:extLst>
+              </a:tr>
+              <a:tr h="375164">
+                <a:tc>
+                  <a:txBody>
+                    <a:bodyPr/>
+                    <a:lstStyle/>
+                    <a:p>
+                      <a:r>
+                        <a:rPr lang="en-US" dirty="0"/>
+                        <a:t>7</a:t>
+                      </a:r>
+                    </a:p>
+                  </a:txBody>
+                  <a:tcPr/>
+                </a:tc>
+                <a:tc>
+                  <a:txBody>
+                    <a:bodyPr/>
+                    <a:lstStyle/>
+                    <a:p>
+                      <a:r>
+                        <a:rPr lang="en-US" dirty="0"/>
+                        <a:t>130637</a:t>
+                      </a:r>
+                    </a:p>
+                  </a:txBody>
+                  <a:tcPr/>
+                </a:tc>
+                <a:tc>
+                  <a:txBody>
+                    <a:bodyPr/>
+                    <a:lstStyle/>
+                    <a:p>
+                      <a:r>
+                        <a:rPr lang="en-US" dirty="0"/>
+                        <a:t>851.21</a:t>
+                      </a:r>
+                    </a:p>
+                  </a:txBody>
+                  <a:tcPr/>
+                </a:tc>
+                <a:extLst>
+                  <a:ext uri="{0D108BD9-81ED-4DB2-BD59-A6C34878D82A}">
+                    <a16:rowId xmlns:a16="http://schemas.microsoft.com/office/drawing/2014/main" val="1965004852"/>
+                  </a:ext>
+                </a:extLst>
+              </a:tr>
+              <a:tr h="375164">
+                <a:tc>
+                  <a:txBody>
+                    <a:bodyPr/>
+                    <a:lstStyle/>
+                    <a:p>
+                      <a:r>
+                        <a:rPr lang="en-US" dirty="0"/>
+                        <a:t>8</a:t>
+                      </a:r>
+                    </a:p>
+                  </a:txBody>
+                  <a:tcPr/>
+                </a:tc>
+                <a:tc>
+                  <a:txBody>
+                    <a:bodyPr/>
+                    <a:lstStyle/>
+                    <a:p>
+                      <a:r>
+                        <a:rPr lang="en-US" dirty="0"/>
+                        <a:t>131334</a:t>
+                      </a:r>
+                    </a:p>
+                  </a:txBody>
+                  <a:tcPr/>
+                </a:tc>
+                <a:tc>
+                  <a:txBody>
+                    <a:bodyPr/>
+                    <a:lstStyle/>
+                    <a:p>
+                      <a:r>
+                        <a:rPr lang="en-US" dirty="0"/>
+                        <a:t>851.8733</a:t>
+                      </a:r>
+                    </a:p>
+                  </a:txBody>
+                  <a:tcPr/>
+                </a:tc>
+                <a:extLst>
+                  <a:ext uri="{0D108BD9-81ED-4DB2-BD59-A6C34878D82A}">
+                    <a16:rowId xmlns:a16="http://schemas.microsoft.com/office/drawing/2014/main" val="553889379"/>
+                  </a:ext>
+                </a:extLst>
+              </a:tr>
+              <a:tr h="375164">
+                <a:tc>
+                  <a:txBody>
+                    <a:bodyPr/>
+                    <a:lstStyle/>
+                    <a:p>
+                      <a:r>
+                        <a:rPr lang="en-US" dirty="0"/>
+                        <a:t>9</a:t>
+                      </a:r>
+                    </a:p>
+                  </a:txBody>
+                  <a:tcPr/>
+                </a:tc>
+                <a:tc>
+                  <a:txBody>
+                    <a:bodyPr/>
+                    <a:lstStyle/>
+                    <a:p>
+                      <a:r>
+                        <a:rPr lang="en-US" dirty="0"/>
+                        <a:t>125387</a:t>
+                      </a:r>
+                    </a:p>
+                  </a:txBody>
+                  <a:tcPr/>
+                </a:tc>
+                <a:tc>
+                  <a:txBody>
+                    <a:bodyPr/>
+                    <a:lstStyle/>
+                    <a:p>
+                      <a:r>
+                        <a:rPr lang="en-US" dirty="0"/>
+                        <a:t>840.0525</a:t>
+                      </a:r>
+                    </a:p>
+                  </a:txBody>
+                  <a:tcPr/>
+                </a:tc>
+                <a:extLst>
+                  <a:ext uri="{0D108BD9-81ED-4DB2-BD59-A6C34878D82A}">
+                    <a16:rowId xmlns:a16="http://schemas.microsoft.com/office/drawing/2014/main" val="3972969693"/>
+                  </a:ext>
+                </a:extLst>
+              </a:tr>
+              <a:tr h="375164">
+                <a:tc>
+                  <a:txBody>
+                    <a:bodyPr/>
+                    <a:lstStyle/>
+                    <a:p>
+                      <a:r>
+                        <a:rPr lang="en-US" dirty="0"/>
+                        <a:t>Averages</a:t>
+                      </a:r>
+                    </a:p>
+                  </a:txBody>
+                  <a:tcPr/>
+                </a:tc>
+                <a:tc>
+                  <a:txBody>
+                    <a:bodyPr/>
+                    <a:lstStyle/>
+                    <a:p>
+                      <a:r>
+                        <a:rPr lang="en-US" dirty="0"/>
+                        <a:t>133876.2</a:t>
+                      </a:r>
+                    </a:p>
+                  </a:txBody>
+                  <a:tcPr/>
+                </a:tc>
+                <a:tc>
+                  <a:txBody>
+                    <a:bodyPr/>
+                    <a:lstStyle/>
+                    <a:p>
+                      <a:r>
+                        <a:rPr lang="en-US" dirty="0"/>
+                        <a:t>872.4087</a:t>
+                      </a:r>
+                    </a:p>
+                  </a:txBody>
+                  <a:tcPr/>
+                </a:tc>
+                <a:extLst>
+                  <a:ext uri="{0D108BD9-81ED-4DB2-BD59-A6C34878D82A}">
+                    <a16:rowId xmlns:a16="http://schemas.microsoft.com/office/drawing/2014/main" val="846290579"/>
+                  </a:ext>
+                </a:extLst>
+              </a:tr>
+            </a:tbl>
+          </a:graphicData>
+        </a:graphic>
+      </p:graphicFrame>
+      <p:graphicFrame>
+        <p:nvGraphicFramePr>
+          <p:cNvPr id="5" name="Table 4">
+            <a:extLst>
+              <a:ext uri="{FF2B5EF4-FFF2-40B4-BE49-F238E27FC236}">
+                <a16:creationId xmlns:a16="http://schemas.microsoft.com/office/drawing/2014/main" id="{8734E88E-B036-491C-BE2E-426ECF3D7753}"/>
+              </a:ext>
+            </a:extLst>
+          </p:cNvPr>
+          <p:cNvGraphicFramePr>
+            <a:graphicFrameLocks noGrp="1"/>
+          </p:cNvGraphicFramePr>
+          <p:nvPr>
+            <p:extLst>
+              <p:ext uri="{D42A27DB-BD31-4B8C-83A1-F6EECF244321}">
+                <p14:modId xmlns:p14="http://schemas.microsoft.com/office/powerpoint/2010/main" val="2131875780"/>
+              </p:ext>
+            </p:extLst>
+          </p:nvPr>
+        </p:nvGraphicFramePr>
+        <p:xfrm>
+          <a:off x="4706937" y="1347363"/>
+          <a:ext cx="4320509" cy="5238540"/>
+        </p:xfrm>
+        <a:graphic>
+          <a:graphicData uri="http://schemas.openxmlformats.org/drawingml/2006/table">
+            <a:tbl>
+              <a:tblPr firstRow="1" bandRow="1">
+                <a:tableStyleId>{5C22544A-7EE6-4342-B048-85BDC9FD1C3A}</a:tableStyleId>
+              </a:tblPr>
+              <a:tblGrid>
+                <a:gridCol w="1318827">
+                  <a:extLst>
+                    <a:ext uri="{9D8B030D-6E8A-4147-A177-3AD203B41FA5}">
+                      <a16:colId xmlns:a16="http://schemas.microsoft.com/office/drawing/2014/main" val="2111776953"/>
+                    </a:ext>
+                  </a:extLst>
+                </a:gridCol>
+                <a:gridCol w="1500841">
+                  <a:extLst>
+                    <a:ext uri="{9D8B030D-6E8A-4147-A177-3AD203B41FA5}">
+                      <a16:colId xmlns:a16="http://schemas.microsoft.com/office/drawing/2014/main" val="985826083"/>
+                    </a:ext>
+                  </a:extLst>
+                </a:gridCol>
+                <a:gridCol w="1500841">
+                  <a:extLst>
+                    <a:ext uri="{9D8B030D-6E8A-4147-A177-3AD203B41FA5}">
+                      <a16:colId xmlns:a16="http://schemas.microsoft.com/office/drawing/2014/main" val="2425929630"/>
+                    </a:ext>
+                  </a:extLst>
+                </a:gridCol>
+              </a:tblGrid>
+              <a:tr h="407523">
+                <a:tc gridSpan="3">
+                  <a:txBody>
+                    <a:bodyPr/>
+                    <a:lstStyle/>
+                    <a:p>
+                      <a:pPr algn="ctr"/>
+                      <a:r>
+                        <a:rPr lang="en-US" dirty="0"/>
+                        <a:t>Connect 4 (Alpha-Beta)</a:t>
+                      </a:r>
+                    </a:p>
+                  </a:txBody>
+                  <a:tcPr anchor="ctr"/>
+                </a:tc>
+                <a:tc hMerge="1">
+                  <a:txBody>
+                    <a:bodyPr/>
+                    <a:lstStyle/>
+                    <a:p>
+                      <a:endParaRPr lang="en-US" dirty="0"/>
+                    </a:p>
+                  </a:txBody>
+                  <a:tcPr/>
+                </a:tc>
+                <a:tc hMerge="1">
+                  <a:txBody>
+                    <a:bodyPr/>
+                    <a:lstStyle/>
+                    <a:p>
+                      <a:endParaRPr lang="en-US" dirty="0"/>
+                    </a:p>
+                  </a:txBody>
+                  <a:tcPr/>
+                </a:tc>
+                <a:extLst>
+                  <a:ext uri="{0D108BD9-81ED-4DB2-BD59-A6C34878D82A}">
+                    <a16:rowId xmlns:a16="http://schemas.microsoft.com/office/drawing/2014/main" val="884998070"/>
+                  </a:ext>
+                </a:extLst>
+              </a:tr>
+              <a:tr h="917894">
+                <a:tc>
+                  <a:txBody>
+                    <a:bodyPr/>
+                    <a:lstStyle/>
+                    <a:p>
+                      <a:r>
+                        <a:rPr lang="en-US" dirty="0"/>
+                        <a:t>Moves on board</a:t>
+                      </a:r>
+                    </a:p>
+                  </a:txBody>
+                  <a:tcPr/>
+                </a:tc>
+                <a:tc>
+                  <a:txBody>
+                    <a:bodyPr/>
+                    <a:lstStyle/>
+                    <a:p>
+                      <a:r>
+                        <a:rPr lang="en-US" dirty="0"/>
+                        <a:t>Iterations</a:t>
+                      </a:r>
+                    </a:p>
+                  </a:txBody>
+                  <a:tcPr/>
+                </a:tc>
+                <a:tc>
+                  <a:txBody>
+                    <a:bodyPr/>
+                    <a:lstStyle/>
+                    <a:p>
+                      <a:r>
+                        <a:rPr lang="en-US" dirty="0"/>
+                        <a:t>Average Time</a:t>
+                      </a:r>
+                    </a:p>
+                    <a:p>
+                      <a:r>
+                        <a:rPr lang="en-US" dirty="0"/>
+                        <a:t>(</a:t>
+                      </a:r>
+                      <a:r>
+                        <a:rPr lang="en-US" dirty="0" err="1"/>
+                        <a:t>ms</a:t>
+                      </a:r>
+                      <a:r>
+                        <a:rPr lang="en-US" dirty="0"/>
+                        <a:t>)</a:t>
+                      </a:r>
+                    </a:p>
+                  </a:txBody>
+                  <a:tcPr/>
+                </a:tc>
+                <a:extLst>
+                  <a:ext uri="{0D108BD9-81ED-4DB2-BD59-A6C34878D82A}">
+                    <a16:rowId xmlns:a16="http://schemas.microsoft.com/office/drawing/2014/main" val="664291562"/>
+                  </a:ext>
+                </a:extLst>
+              </a:tr>
+              <a:tr h="374652">
+                <a:tc>
+                  <a:txBody>
+                    <a:bodyPr/>
+                    <a:lstStyle/>
+                    <a:p>
+                      <a:r>
+                        <a:rPr lang="en-US" dirty="0"/>
+                        <a:t>1</a:t>
+                      </a:r>
+                    </a:p>
+                  </a:txBody>
+                  <a:tcPr/>
+                </a:tc>
+                <a:tc>
+                  <a:txBody>
+                    <a:bodyPr/>
+                    <a:lstStyle/>
+                    <a:p>
+                      <a:r>
+                        <a:rPr lang="en-US" dirty="0"/>
+                        <a:t>9007</a:t>
+                      </a:r>
+                    </a:p>
+                  </a:txBody>
+                  <a:tcPr/>
+                </a:tc>
+                <a:tc>
+                  <a:txBody>
+                    <a:bodyPr/>
+                    <a:lstStyle/>
+                    <a:p>
+                      <a:r>
+                        <a:rPr lang="en-US" dirty="0"/>
+                        <a:t>150.1833</a:t>
+                      </a:r>
+                    </a:p>
+                  </a:txBody>
+                  <a:tcPr/>
+                </a:tc>
+                <a:extLst>
+                  <a:ext uri="{0D108BD9-81ED-4DB2-BD59-A6C34878D82A}">
+                    <a16:rowId xmlns:a16="http://schemas.microsoft.com/office/drawing/2014/main" val="1907891118"/>
+                  </a:ext>
+                </a:extLst>
+              </a:tr>
+              <a:tr h="548749">
+                <a:tc>
+                  <a:txBody>
+                    <a:bodyPr/>
+                    <a:lstStyle/>
+                    <a:p>
+                      <a:r>
+                        <a:rPr lang="en-US" dirty="0"/>
+                        <a:t>2</a:t>
+                      </a:r>
+                    </a:p>
+                  </a:txBody>
+                  <a:tcPr/>
+                </a:tc>
+                <a:tc>
+                  <a:txBody>
+                    <a:bodyPr/>
+                    <a:lstStyle/>
+                    <a:p>
+                      <a:r>
+                        <a:rPr lang="en-US" dirty="0"/>
+                        <a:t>12769</a:t>
+                      </a:r>
+                    </a:p>
+                  </a:txBody>
+                  <a:tcPr/>
+                </a:tc>
+                <a:tc>
+                  <a:txBody>
+                    <a:bodyPr/>
+                    <a:lstStyle/>
+                    <a:p>
+                      <a:r>
+                        <a:rPr lang="en-US" dirty="0"/>
+                        <a:t>99.235</a:t>
+                      </a:r>
+                    </a:p>
+                  </a:txBody>
+                  <a:tcPr/>
+                </a:tc>
+                <a:extLst>
+                  <a:ext uri="{0D108BD9-81ED-4DB2-BD59-A6C34878D82A}">
+                    <a16:rowId xmlns:a16="http://schemas.microsoft.com/office/drawing/2014/main" val="2136982091"/>
+                  </a:ext>
+                </a:extLst>
+              </a:tr>
+              <a:tr h="374652">
+                <a:tc>
+                  <a:txBody>
+                    <a:bodyPr/>
+                    <a:lstStyle/>
+                    <a:p>
+                      <a:r>
+                        <a:rPr lang="en-US" dirty="0"/>
+                        <a:t>3</a:t>
+                      </a:r>
+                    </a:p>
+                  </a:txBody>
+                  <a:tcPr/>
+                </a:tc>
+                <a:tc>
+                  <a:txBody>
+                    <a:bodyPr/>
+                    <a:lstStyle/>
+                    <a:p>
+                      <a:r>
+                        <a:rPr lang="en-US" dirty="0"/>
+                        <a:t>7628</a:t>
+                      </a:r>
+                    </a:p>
+                  </a:txBody>
+                  <a:tcPr/>
+                </a:tc>
+                <a:tc>
+                  <a:txBody>
+                    <a:bodyPr/>
+                    <a:lstStyle/>
+                    <a:p>
+                      <a:r>
+                        <a:rPr lang="en-US" dirty="0"/>
+                        <a:t>57.44</a:t>
+                      </a:r>
+                    </a:p>
+                  </a:txBody>
+                  <a:tcPr/>
+                </a:tc>
+                <a:extLst>
+                  <a:ext uri="{0D108BD9-81ED-4DB2-BD59-A6C34878D82A}">
+                    <a16:rowId xmlns:a16="http://schemas.microsoft.com/office/drawing/2014/main" val="278352798"/>
+                  </a:ext>
+                </a:extLst>
+              </a:tr>
+              <a:tr h="374652">
+                <a:tc>
+                  <a:txBody>
+                    <a:bodyPr/>
+                    <a:lstStyle/>
+                    <a:p>
+                      <a:r>
+                        <a:rPr lang="en-US" dirty="0"/>
+                        <a:t>4</a:t>
+                      </a:r>
+                    </a:p>
+                  </a:txBody>
+                  <a:tcPr/>
+                </a:tc>
+                <a:tc>
+                  <a:txBody>
+                    <a:bodyPr/>
+                    <a:lstStyle/>
+                    <a:p>
+                      <a:r>
+                        <a:rPr lang="en-US" dirty="0"/>
+                        <a:t>9415</a:t>
+                      </a:r>
+                    </a:p>
+                  </a:txBody>
+                  <a:tcPr/>
+                </a:tc>
+                <a:tc>
+                  <a:txBody>
+                    <a:bodyPr/>
+                    <a:lstStyle/>
+                    <a:p>
+                      <a:r>
+                        <a:rPr lang="en-US" dirty="0"/>
+                        <a:t>54.16</a:t>
+                      </a:r>
+                    </a:p>
+                  </a:txBody>
+                  <a:tcPr/>
+                </a:tc>
+                <a:extLst>
+                  <a:ext uri="{0D108BD9-81ED-4DB2-BD59-A6C34878D82A}">
+                    <a16:rowId xmlns:a16="http://schemas.microsoft.com/office/drawing/2014/main" val="348394591"/>
+                  </a:ext>
+                </a:extLst>
+              </a:tr>
+              <a:tr h="367158">
+                <a:tc>
+                  <a:txBody>
+                    <a:bodyPr/>
+                    <a:lstStyle/>
+                    <a:p>
+                      <a:r>
+                        <a:rPr lang="en-US" dirty="0"/>
+                        <a:t>5</a:t>
+                      </a:r>
+                    </a:p>
+                  </a:txBody>
+                  <a:tcPr/>
+                </a:tc>
+                <a:tc>
+                  <a:txBody>
+                    <a:bodyPr/>
+                    <a:lstStyle/>
+                    <a:p>
+                      <a:r>
+                        <a:rPr lang="en-US" dirty="0"/>
+                        <a:t>9065</a:t>
+                      </a:r>
+                    </a:p>
+                  </a:txBody>
+                  <a:tcPr/>
+                </a:tc>
+                <a:tc>
+                  <a:txBody>
+                    <a:bodyPr/>
+                    <a:lstStyle/>
+                    <a:p>
+                      <a:r>
+                        <a:rPr lang="en-US" dirty="0"/>
+                        <a:t>75.85</a:t>
+                      </a:r>
+                    </a:p>
+                  </a:txBody>
+                  <a:tcPr/>
+                </a:tc>
+                <a:extLst>
+                  <a:ext uri="{0D108BD9-81ED-4DB2-BD59-A6C34878D82A}">
+                    <a16:rowId xmlns:a16="http://schemas.microsoft.com/office/drawing/2014/main" val="2651278705"/>
+                  </a:ext>
+                </a:extLst>
+              </a:tr>
+              <a:tr h="374652">
+                <a:tc>
+                  <a:txBody>
+                    <a:bodyPr/>
+                    <a:lstStyle/>
+                    <a:p>
+                      <a:r>
+                        <a:rPr lang="en-US" dirty="0"/>
+                        <a:t>6</a:t>
+                      </a:r>
+                    </a:p>
+                  </a:txBody>
+                  <a:tcPr/>
+                </a:tc>
+                <a:tc>
+                  <a:txBody>
+                    <a:bodyPr/>
+                    <a:lstStyle/>
+                    <a:p>
+                      <a:r>
+                        <a:rPr lang="en-US" dirty="0"/>
+                        <a:t>7585</a:t>
+                      </a:r>
+                    </a:p>
+                  </a:txBody>
+                  <a:tcPr/>
+                </a:tc>
+                <a:tc>
+                  <a:txBody>
+                    <a:bodyPr/>
+                    <a:lstStyle/>
+                    <a:p>
+                      <a:r>
+                        <a:rPr lang="en-US" dirty="0"/>
+                        <a:t>43.79833</a:t>
+                      </a:r>
+                    </a:p>
+                  </a:txBody>
+                  <a:tcPr/>
+                </a:tc>
+                <a:extLst>
+                  <a:ext uri="{0D108BD9-81ED-4DB2-BD59-A6C34878D82A}">
+                    <a16:rowId xmlns:a16="http://schemas.microsoft.com/office/drawing/2014/main" val="1736766851"/>
+                  </a:ext>
+                </a:extLst>
+              </a:tr>
+              <a:tr h="374652">
+                <a:tc>
+                  <a:txBody>
+                    <a:bodyPr/>
+                    <a:lstStyle/>
+                    <a:p>
+                      <a:r>
+                        <a:rPr lang="en-US" dirty="0"/>
+                        <a:t>7</a:t>
+                      </a:r>
+                    </a:p>
+                  </a:txBody>
+                  <a:tcPr/>
+                </a:tc>
+                <a:tc>
+                  <a:txBody>
+                    <a:bodyPr/>
+                    <a:lstStyle/>
+                    <a:p>
+                      <a:r>
+                        <a:rPr lang="en-US" dirty="0"/>
+                        <a:t>8542</a:t>
+                      </a:r>
+                    </a:p>
+                  </a:txBody>
+                  <a:tcPr/>
+                </a:tc>
+                <a:tc>
+                  <a:txBody>
+                    <a:bodyPr/>
+                    <a:lstStyle/>
+                    <a:p>
+                      <a:r>
+                        <a:rPr lang="en-US" dirty="0"/>
+                        <a:t>48.4275</a:t>
+                      </a:r>
+                    </a:p>
+                  </a:txBody>
+                  <a:tcPr/>
+                </a:tc>
+                <a:extLst>
+                  <a:ext uri="{0D108BD9-81ED-4DB2-BD59-A6C34878D82A}">
+                    <a16:rowId xmlns:a16="http://schemas.microsoft.com/office/drawing/2014/main" val="1965004852"/>
+                  </a:ext>
+                </a:extLst>
+              </a:tr>
+              <a:tr h="374652">
+                <a:tc>
+                  <a:txBody>
+                    <a:bodyPr/>
+                    <a:lstStyle/>
+                    <a:p>
+                      <a:r>
+                        <a:rPr lang="en-US" dirty="0"/>
+                        <a:t>8</a:t>
+                      </a:r>
+                    </a:p>
+                  </a:txBody>
+                  <a:tcPr/>
+                </a:tc>
+                <a:tc>
+                  <a:txBody>
+                    <a:bodyPr/>
+                    <a:lstStyle/>
+                    <a:p>
+                      <a:r>
+                        <a:rPr lang="en-US" dirty="0"/>
+                        <a:t>8246</a:t>
+                      </a:r>
+                    </a:p>
+                  </a:txBody>
+                  <a:tcPr/>
+                </a:tc>
+                <a:tc>
+                  <a:txBody>
+                    <a:bodyPr/>
+                    <a:lstStyle/>
+                    <a:p>
+                      <a:r>
+                        <a:rPr lang="en-US" dirty="0"/>
+                        <a:t>48.69667</a:t>
+                      </a:r>
+                    </a:p>
+                  </a:txBody>
+                  <a:tcPr/>
+                </a:tc>
+                <a:extLst>
+                  <a:ext uri="{0D108BD9-81ED-4DB2-BD59-A6C34878D82A}">
+                    <a16:rowId xmlns:a16="http://schemas.microsoft.com/office/drawing/2014/main" val="553889379"/>
+                  </a:ext>
+                </a:extLst>
+              </a:tr>
+              <a:tr h="374652">
+                <a:tc>
+                  <a:txBody>
+                    <a:bodyPr/>
+                    <a:lstStyle/>
+                    <a:p>
+                      <a:r>
+                        <a:rPr lang="en-US" dirty="0"/>
+                        <a:t>9</a:t>
+                      </a:r>
+                    </a:p>
+                  </a:txBody>
+                  <a:tcPr/>
+                </a:tc>
+                <a:tc>
+                  <a:txBody>
+                    <a:bodyPr/>
+                    <a:lstStyle/>
+                    <a:p>
+                      <a:r>
+                        <a:rPr lang="en-US" dirty="0"/>
+                        <a:t>9214</a:t>
+                      </a:r>
+                    </a:p>
+                  </a:txBody>
+                  <a:tcPr/>
+                </a:tc>
+                <a:tc>
+                  <a:txBody>
+                    <a:bodyPr/>
+                    <a:lstStyle/>
+                    <a:p>
+                      <a:r>
+                        <a:rPr lang="en-US" dirty="0"/>
+                        <a:t>54.5475</a:t>
+                      </a:r>
+                    </a:p>
+                  </a:txBody>
+                  <a:tcPr/>
+                </a:tc>
+                <a:extLst>
+                  <a:ext uri="{0D108BD9-81ED-4DB2-BD59-A6C34878D82A}">
+                    <a16:rowId xmlns:a16="http://schemas.microsoft.com/office/drawing/2014/main" val="3972969693"/>
+                  </a:ext>
+                </a:extLst>
+              </a:tr>
+              <a:tr h="374652">
+                <a:tc>
+                  <a:txBody>
+                    <a:bodyPr/>
+                    <a:lstStyle/>
+                    <a:p>
+                      <a:r>
+                        <a:rPr lang="en-US" dirty="0"/>
+                        <a:t>Average</a:t>
+                      </a:r>
+                    </a:p>
+                  </a:txBody>
+                  <a:tcPr/>
+                </a:tc>
+                <a:tc>
+                  <a:txBody>
+                    <a:bodyPr/>
+                    <a:lstStyle/>
+                    <a:p>
+                      <a:r>
+                        <a:rPr lang="en-US" dirty="0"/>
+                        <a:t>9052.33</a:t>
+                      </a:r>
+                    </a:p>
+                  </a:txBody>
+                  <a:tcPr/>
+                </a:tc>
+                <a:tc>
+                  <a:txBody>
+                    <a:bodyPr/>
+                    <a:lstStyle/>
+                    <a:p>
+                      <a:r>
+                        <a:rPr lang="en-US" dirty="0"/>
+                        <a:t>70.25981</a:t>
+                      </a:r>
+                    </a:p>
+                  </a:txBody>
+                  <a:tcPr/>
+                </a:tc>
+                <a:extLst>
+                  <a:ext uri="{0D108BD9-81ED-4DB2-BD59-A6C34878D82A}">
+                    <a16:rowId xmlns:a16="http://schemas.microsoft.com/office/drawing/2014/main" val="3835632713"/>
+                  </a:ext>
+                </a:extLst>
+              </a:tr>
+            </a:tbl>
+          </a:graphicData>
+        </a:graphic>
+      </p:graphicFrame>
+    </p:spTree>
+    <p:extLst>
+      <p:ext uri="{BB962C8B-B14F-4D97-AF65-F5344CB8AC3E}">
+        <p14:creationId xmlns:p14="http://schemas.microsoft.com/office/powerpoint/2010/main" val="3544597137"/>
+      </p:ext>
+    </p:extLst>
+  </p:cSld>
+  <p:clrMapOvr>
+    <a:masterClrMapping/>
+  </p:clrMapOvr>
+</p:sld>
+</file>
+
+<file path=ppt/slides/slide13.xml><?xml version="1.0" encoding="utf-8"?>
+<p:sld xmlns:a="http://schemas.openxmlformats.org/drawingml/2006/main" xmlns:r="http://schemas.openxmlformats.org/officeDocument/2006/relationships" xmlns:p="http://schemas.openxmlformats.org/presentationml/2006/main">
+  <p:cSld>
+    <p:spTree>
+      <p:nvGrpSpPr>
+        <p:cNvPr id="1" name=""/>
+        <p:cNvGrpSpPr/>
+        <p:nvPr/>
+      </p:nvGrpSpPr>
+      <p:grpSpPr>
+        <a:xfrm>
+          <a:off x="0" y="0"/>
+          <a:ext cx="0" cy="0"/>
+          <a:chOff x="0" y="0"/>
+          <a:chExt cx="0" cy="0"/>
+        </a:xfrm>
+      </p:grpSpPr>
+      <p:sp>
+        <p:nvSpPr>
+          <p:cNvPr id="2" name="Title 1"/>
+          <p:cNvSpPr>
+            <a:spLocks noGrp="1"/>
+          </p:cNvSpPr>
+          <p:nvPr>
+            <p:ph type="title"/>
+          </p:nvPr>
+        </p:nvSpPr>
+        <p:spPr/>
+        <p:txBody>
+          <a:bodyPr/>
+          <a:lstStyle/>
+          <a:p>
+            <a:r>
+              <a:rPr lang="en-US" dirty="0"/>
+              <a:t>Demonstration</a:t>
+            </a:r>
+          </a:p>
+        </p:txBody>
+      </p:sp>
+      <p:sp>
+        <p:nvSpPr>
+          <p:cNvPr id="3" name="Content Placeholder 2"/>
+          <p:cNvSpPr>
+            <a:spLocks noGrp="1"/>
+          </p:cNvSpPr>
+          <p:nvPr>
+            <p:ph idx="1"/>
+          </p:nvPr>
+        </p:nvSpPr>
+        <p:spPr/>
+        <p:txBody>
+          <a:bodyPr/>
+          <a:lstStyle/>
+          <a:p>
+            <a:r>
+              <a:rPr lang="en-US" dirty="0">
+                <a:hlinkClick r:id="rId2" action="ppaction://hlinkfile"/>
+              </a:rPr>
+              <a:t>dextermiller.com</a:t>
+            </a:r>
+            <a:endParaRPr lang="en-US" dirty="0"/>
+          </a:p>
+        </p:txBody>
+      </p:sp>
+    </p:spTree>
+    <p:extLst>
+      <p:ext uri="{BB962C8B-B14F-4D97-AF65-F5344CB8AC3E}">
+        <p14:creationId xmlns:p14="http://schemas.microsoft.com/office/powerpoint/2010/main" val="2468445757"/>
+      </p:ext>
+    </p:extLst>
+  </p:cSld>
+  <p:clrMapOvr>
+    <a:masterClrMapping/>
+  </p:clrMapOvr>
+</p:sld>
+</file>
+
+<file path=ppt/slides/slide14.xml><?xml version="1.0" encoding="utf-8"?>
+<p:sld xmlns:a="http://schemas.openxmlformats.org/drawingml/2006/main" xmlns:r="http://schemas.openxmlformats.org/officeDocument/2006/relationships" xmlns:p="http://schemas.openxmlformats.org/presentationml/2006/main">
+  <p:cSld>
+    <p:spTree>
+      <p:nvGrpSpPr>
+        <p:cNvPr id="1" name=""/>
+        <p:cNvGrpSpPr/>
+        <p:nvPr/>
+      </p:nvGrpSpPr>
+      <p:grpSpPr>
+        <a:xfrm>
+          <a:off x="0" y="0"/>
+          <a:ext cx="0" cy="0"/>
+          <a:chOff x="0" y="0"/>
+          <a:chExt cx="0" cy="0"/>
+        </a:xfrm>
+      </p:grpSpPr>
+      <p:sp>
+        <p:nvSpPr>
           <p:cNvPr id="2" name="Title 1"/>
           <p:cNvSpPr>
             <a:spLocks noGrp="1"/>
@@ -4564,7 +7061,7 @@
 </p:sld>
 </file>
 
-<file path=ppt/slides/slide12.xml><?xml version="1.0" encoding="utf-8"?>
+<file path=ppt/slides/slide15.xml><?xml version="1.0" encoding="utf-8"?>
 <p:sld xmlns:a="http://schemas.openxmlformats.org/drawingml/2006/main" xmlns:r="http://schemas.openxmlformats.org/officeDocument/2006/relationships" xmlns:p="http://schemas.openxmlformats.org/presentationml/2006/main">
   <p:cSld>
     <p:spTree>
@@ -4799,7 +7296,9 @@
         </p:nvSpPr>
         <p:spPr/>
         <p:txBody>
-          <a:bodyPr/>
+          <a:bodyPr>
+            <a:normAutofit lnSpcReduction="10000"/>
+          </a:bodyPr>
           <a:lstStyle/>
           <a:p>
             <a:r>
@@ -4826,6 +7325,33 @@
             <a:r>
               <a:rPr lang="en-US" dirty="0"/>
               <a:t>I wanted to build a website. </a:t>
+            </a:r>
+          </a:p>
+          <a:p>
+            <a:r>
+              <a:rPr lang="en-US" dirty="0"/>
+              <a:t>What</a:t>
+            </a:r>
+          </a:p>
+          <a:p>
+            <a:pPr lvl="1"/>
+            <a:r>
+              <a:rPr lang="en-US" dirty="0"/>
+              <a:t>Tic-tac –toe</a:t>
+            </a:r>
+          </a:p>
+          <a:p>
+            <a:pPr lvl="1"/>
+            <a:r>
+              <a:rPr lang="en-US" dirty="0"/>
+              <a:t>Connect 4</a:t>
+            </a:r>
+          </a:p>
+          <a:p>
+            <a:pPr lvl="1"/>
+            <a:r>
+              <a:rPr lang="en-US" dirty="0"/>
+              <a:t>Ubuntu Server</a:t>
             </a:r>
           </a:p>
         </p:txBody>
@@ -5301,7 +7827,13 @@
       </p:grpSpPr>
       <p:sp>
         <p:nvSpPr>
-          <p:cNvPr id="2" name="Title 1"/>
+          <p:cNvPr id="2" name="Title 1">
+            <a:extLst>
+              <a:ext uri="{FF2B5EF4-FFF2-40B4-BE49-F238E27FC236}">
+                <a16:creationId xmlns:a16="http://schemas.microsoft.com/office/drawing/2014/main" id="{7160A173-86D3-47FF-A4D4-4A028AF6328D}"/>
+              </a:ext>
+            </a:extLst>
+          </p:cNvPr>
           <p:cNvSpPr>
             <a:spLocks noGrp="1"/>
           </p:cNvSpPr>
@@ -5316,40 +7848,49 @@
           <a:p>
             <a:r>
               <a:rPr lang="en-US" dirty="0"/>
-              <a:t>Testing</a:t>
-            </a:r>
-          </a:p>
-        </p:txBody>
-      </p:sp>
-      <p:sp>
-        <p:nvSpPr>
-          <p:cNvPr id="3" name="Content Placeholder 2"/>
-          <p:cNvSpPr>
-            <a:spLocks noGrp="1"/>
-          </p:cNvSpPr>
+              <a:t>Alpha-beta pseudocode</a:t>
+            </a:r>
+          </a:p>
+        </p:txBody>
+      </p:sp>
+      <p:pic>
+        <p:nvPicPr>
+          <p:cNvPr id="5" name="Content Placeholder 4">
+            <a:extLst>
+              <a:ext uri="{FF2B5EF4-FFF2-40B4-BE49-F238E27FC236}">
+                <a16:creationId xmlns:a16="http://schemas.microsoft.com/office/drawing/2014/main" id="{227AA09A-5D3E-42C4-B749-02FED56EBF5F}"/>
+              </a:ext>
+            </a:extLst>
+          </p:cNvPr>
+          <p:cNvPicPr>
+            <a:picLocks noGrp="1" noChangeAspect="1"/>
+          </p:cNvPicPr>
           <p:nvPr>
             <p:ph idx="1"/>
           </p:nvPr>
-        </p:nvSpPr>
-        <p:spPr/>
-        <p:txBody>
-          <a:bodyPr/>
-          <a:lstStyle/>
-          <a:p>
-            <a:r>
-              <a:rPr lang="en-US" dirty="0"/>
-              <a:t>Playing the game!</a:t>
-            </a:r>
-          </a:p>
-          <a:p>
-            <a:endParaRPr lang="en-US" dirty="0"/>
-          </a:p>
-        </p:txBody>
-      </p:sp>
+        </p:nvPicPr>
+        <p:blipFill rotWithShape="1">
+          <a:blip r:embed="rId2">
+            <a:extLst>
+              <a:ext uri="{28A0092B-C50C-407E-A947-70E740481C1C}">
+                <a14:useLocalDpi xmlns:a14="http://schemas.microsoft.com/office/drawing/2010/main" val="0"/>
+              </a:ext>
+            </a:extLst>
+          </a:blip>
+          <a:srcRect r="10469"/>
+          <a:stretch/>
+        </p:blipFill>
+        <p:spPr>
+          <a:xfrm>
+            <a:off x="360235" y="1334167"/>
+            <a:ext cx="8561869" cy="5127593"/>
+          </a:xfrm>
+        </p:spPr>
+      </p:pic>
     </p:spTree>
     <p:extLst>
       <p:ext uri="{BB962C8B-B14F-4D97-AF65-F5344CB8AC3E}">
-        <p14:creationId xmlns:p14="http://schemas.microsoft.com/office/powerpoint/2010/main" val="2478263596"/>
+        <p14:creationId xmlns:p14="http://schemas.microsoft.com/office/powerpoint/2010/main" val="1495393161"/>
       </p:ext>
     </p:extLst>
   </p:cSld>
@@ -5381,7 +7922,7 @@
           <p:cNvPr id="2" name="Title 1">
             <a:extLst>
               <a:ext uri="{FF2B5EF4-FFF2-40B4-BE49-F238E27FC236}">
-                <a16:creationId xmlns:a16="http://schemas.microsoft.com/office/drawing/2014/main" id="{B1368A97-ED19-4244-A10D-E5D1CEA4A93A}"/>
+                <a16:creationId xmlns:a16="http://schemas.microsoft.com/office/drawing/2014/main" id="{ED1B3BC5-90CF-4CB1-BDCD-1AF47F393E7C}"/>
               </a:ext>
             </a:extLst>
           </p:cNvPr>
@@ -5399,54 +7940,50 @@
           <a:p>
             <a:r>
               <a:rPr lang="en-US" dirty="0"/>
-              <a:t>Testing/Data</a:t>
-            </a:r>
-          </a:p>
-        </p:txBody>
-      </p:sp>
-      <p:sp>
-        <p:nvSpPr>
-          <p:cNvPr id="3" name="Content Placeholder 2">
+              <a:t>Alpha-beta cont.</a:t>
+            </a:r>
+          </a:p>
+        </p:txBody>
+      </p:sp>
+      <p:pic>
+        <p:nvPicPr>
+          <p:cNvPr id="5" name="Content Placeholder 4">
             <a:extLst>
               <a:ext uri="{FF2B5EF4-FFF2-40B4-BE49-F238E27FC236}">
-                <a16:creationId xmlns:a16="http://schemas.microsoft.com/office/drawing/2014/main" id="{79BDA99F-8060-45DB-BA0D-C1967A471A1A}"/>
+                <a16:creationId xmlns:a16="http://schemas.microsoft.com/office/drawing/2014/main" id="{6A96968C-7B28-480B-B8DC-1AF77736275C}"/>
               </a:ext>
             </a:extLst>
           </p:cNvPr>
-          <p:cNvSpPr>
-            <a:spLocks noGrp="1"/>
-          </p:cNvSpPr>
+          <p:cNvPicPr>
+            <a:picLocks noGrp="1" noChangeAspect="1"/>
+          </p:cNvPicPr>
           <p:nvPr>
             <p:ph idx="1"/>
           </p:nvPr>
-        </p:nvSpPr>
-        <p:spPr/>
-        <p:txBody>
-          <a:bodyPr/>
-          <a:lstStyle/>
-          <a:p>
-            <a:r>
-              <a:rPr lang="en-US" dirty="0"/>
-              <a:t>From initial Call on Tic-tac-toe</a:t>
-            </a:r>
-          </a:p>
-          <a:p>
-            <a:pPr lvl="1"/>
-            <a:r>
-              <a:rPr lang="en-US" dirty="0"/>
-              <a:t>549,946 </a:t>
-            </a:r>
-            <a:r>
-              <a:rPr lang="en-US"/>
-              <a:t>iterations occur</a:t>
-            </a:r>
-          </a:p>
-        </p:txBody>
-      </p:sp>
+        </p:nvPicPr>
+        <p:blipFill>
+          <a:blip r:embed="rId2">
+            <a:extLst>
+              <a:ext uri="{28A0092B-C50C-407E-A947-70E740481C1C}">
+                <a14:useLocalDpi xmlns:a14="http://schemas.microsoft.com/office/drawing/2010/main" val="0"/>
+              </a:ext>
+            </a:extLst>
+          </a:blip>
+          <a:stretch>
+            <a:fillRect/>
+          </a:stretch>
+        </p:blipFill>
+        <p:spPr>
+          <a:xfrm>
+            <a:off x="75167" y="1409795"/>
+            <a:ext cx="8993665" cy="4564285"/>
+          </a:xfrm>
+        </p:spPr>
+      </p:pic>
     </p:spTree>
     <p:extLst>
       <p:ext uri="{BB962C8B-B14F-4D97-AF65-F5344CB8AC3E}">
-        <p14:creationId xmlns:p14="http://schemas.microsoft.com/office/powerpoint/2010/main" val="3758331537"/>
+        <p14:creationId xmlns:p14="http://schemas.microsoft.com/office/powerpoint/2010/main" val="1651816613"/>
       </p:ext>
     </p:extLst>
   </p:cSld>
@@ -5641,4 +8178,299 @@
   <a:objectDefaults/>
   <a:extraClrSchemeLst/>
 </a:theme>
+</file>
+
+<file path=ppt/theme/theme2.xml><?xml version="1.0" encoding="utf-8"?>
+<a:theme xmlns:a="http://schemas.openxmlformats.org/drawingml/2006/main" name="Office Theme">
+  <a:themeElements>
+    <a:clrScheme name="Office">
+      <a:dk1>
+        <a:sysClr val="windowText" lastClr="000000"/>
+      </a:dk1>
+      <a:lt1>
+        <a:sysClr val="window" lastClr="FFFFFF"/>
+      </a:lt1>
+      <a:dk2>
+        <a:srgbClr val="44546A"/>
+      </a:dk2>
+      <a:lt2>
+        <a:srgbClr val="E7E6E6"/>
+      </a:lt2>
+      <a:accent1>
+        <a:srgbClr val="4472C4"/>
+      </a:accent1>
+      <a:accent2>
+        <a:srgbClr val="ED7D31"/>
+      </a:accent2>
+      <a:accent3>
+        <a:srgbClr val="A5A5A5"/>
+      </a:accent3>
+      <a:accent4>
+        <a:srgbClr val="FFC000"/>
+      </a:accent4>
+      <a:accent5>
+        <a:srgbClr val="5B9BD5"/>
+      </a:accent5>
+      <a:accent6>
+        <a:srgbClr val="70AD47"/>
+      </a:accent6>
+      <a:hlink>
+        <a:srgbClr val="0563C1"/>
+      </a:hlink>
+      <a:folHlink>
+        <a:srgbClr val="954F72"/>
+      </a:folHlink>
+    </a:clrScheme>
+    <a:fontScheme name="Office">
+      <a:majorFont>
+        <a:latin typeface="Calibri Light" panose="020F0302020204030204"/>
+        <a:ea typeface=""/>
+        <a:cs typeface=""/>
+        <a:font script="Jpan" typeface="游ゴシック Light"/>
+        <a:font script="Hang" typeface="맑은 고딕"/>
+        <a:font script="Hans" typeface="等线 Light"/>
+        <a:font script="Hant" typeface="新細明體"/>
+        <a:font script="Arab" typeface="Times New Roman"/>
+        <a:font script="Hebr" typeface="Times New Roman"/>
+        <a:font script="Thai" typeface="Angsana New"/>
+        <a:font script="Ethi" typeface="Nyala"/>
+        <a:font script="Beng" typeface="Vrinda"/>
+        <a:font script="Gujr" typeface="Shruti"/>
+        <a:font script="Khmr" typeface="MoolBoran"/>
+        <a:font script="Knda" typeface="Tunga"/>
+        <a:font script="Guru" typeface="Raavi"/>
+        <a:font script="Cans" typeface="Euphemia"/>
+        <a:font script="Cher" typeface="Plantagenet Cherokee"/>
+        <a:font script="Yiii" typeface="Microsoft Yi Baiti"/>
+        <a:font script="Tibt" typeface="Microsoft Himalaya"/>
+        <a:font script="Thaa" typeface="MV Boli"/>
+        <a:font script="Deva" typeface="Mangal"/>
+        <a:font script="Telu" typeface="Gautami"/>
+        <a:font script="Taml" typeface="Latha"/>
+        <a:font script="Syrc" typeface="Estrangelo Edessa"/>
+        <a:font script="Orya" typeface="Kalinga"/>
+        <a:font script="Mlym" typeface="Kartika"/>
+        <a:font script="Laoo" typeface="DokChampa"/>
+        <a:font script="Sinh" typeface="Iskoola Pota"/>
+        <a:font script="Mong" typeface="Mongolian Baiti"/>
+        <a:font script="Viet" typeface="Times New Roman"/>
+        <a:font script="Uigh" typeface="Microsoft Uighur"/>
+        <a:font script="Geor" typeface="Sylfaen"/>
+        <a:font script="Armn" typeface="Arial"/>
+        <a:font script="Bugi" typeface="Leelawadee UI"/>
+        <a:font script="Bopo" typeface="Microsoft JhengHei"/>
+        <a:font script="Java" typeface="Javanese Text"/>
+        <a:font script="Lisu" typeface="Segoe UI"/>
+        <a:font script="Mymr" typeface="Myanmar Text"/>
+        <a:font script="Nkoo" typeface="Ebrima"/>
+        <a:font script="Olck" typeface="Nirmala UI"/>
+        <a:font script="Osma" typeface="Ebrima"/>
+        <a:font script="Phag" typeface="Phagspa"/>
+        <a:font script="Syrn" typeface="Estrangelo Edessa"/>
+        <a:font script="Syrj" typeface="Estrangelo Edessa"/>
+        <a:font script="Syre" typeface="Estrangelo Edessa"/>
+        <a:font script="Sora" typeface="Nirmala UI"/>
+        <a:font script="Tale" typeface="Microsoft Tai Le"/>
+        <a:font script="Talu" typeface="Microsoft New Tai Lue"/>
+        <a:font script="Tfng" typeface="Ebrima"/>
+      </a:majorFont>
+      <a:minorFont>
+        <a:latin typeface="Calibri" panose="020F0502020204030204"/>
+        <a:ea typeface=""/>
+        <a:cs typeface=""/>
+        <a:font script="Jpan" typeface="游ゴシック"/>
+        <a:font script="Hang" typeface="맑은 고딕"/>
+        <a:font script="Hans" typeface="等线"/>
+        <a:font script="Hant" typeface="新細明體"/>
+        <a:font script="Arab" typeface="Arial"/>
+        <a:font script="Hebr" typeface="Arial"/>
+        <a:font script="Thai" typeface="Cordia New"/>
+        <a:font script="Ethi" typeface="Nyala"/>
+        <a:font script="Beng" typeface="Vrinda"/>
+        <a:font script="Gujr" typeface="Shruti"/>
+        <a:font script="Khmr" typeface="DaunPenh"/>
+        <a:font script="Knda" typeface="Tunga"/>
+        <a:font script="Guru" typeface="Raavi"/>
+        <a:font script="Cans" typeface="Euphemia"/>
+        <a:font script="Cher" typeface="Plantagenet Cherokee"/>
+        <a:font script="Yiii" typeface="Microsoft Yi Baiti"/>
+        <a:font script="Tibt" typeface="Microsoft Himalaya"/>
+        <a:font script="Thaa" typeface="MV Boli"/>
+        <a:font script="Deva" typeface="Mangal"/>
+        <a:font script="Telu" typeface="Gautami"/>
+        <a:font script="Taml" typeface="Latha"/>
+        <a:font script="Syrc" typeface="Estrangelo Edessa"/>
+        <a:font script="Orya" typeface="Kalinga"/>
+        <a:font script="Mlym" typeface="Kartika"/>
+        <a:font script="Laoo" typeface="DokChampa"/>
+        <a:font script="Sinh" typeface="Iskoola Pota"/>
+        <a:font script="Mong" typeface="Mongolian Baiti"/>
+        <a:font script="Viet" typeface="Arial"/>
+        <a:font script="Uigh" typeface="Microsoft Uighur"/>
+        <a:font script="Geor" typeface="Sylfaen"/>
+        <a:font script="Armn" typeface="Arial"/>
+        <a:font script="Bugi" typeface="Leelawadee UI"/>
+        <a:font script="Bopo" typeface="Microsoft JhengHei"/>
+        <a:font script="Java" typeface="Javanese Text"/>
+        <a:font script="Lisu" typeface="Segoe UI"/>
+        <a:font script="Mymr" typeface="Myanmar Text"/>
+        <a:font script="Nkoo" typeface="Ebrima"/>
+        <a:font script="Olck" typeface="Nirmala UI"/>
+        <a:font script="Osma" typeface="Ebrima"/>
+        <a:font script="Phag" typeface="Phagspa"/>
+        <a:font script="Syrn" typeface="Estrangelo Edessa"/>
+        <a:font script="Syrj" typeface="Estrangelo Edessa"/>
+        <a:font script="Syre" typeface="Estrangelo Edessa"/>
+        <a:font script="Sora" typeface="Nirmala UI"/>
+        <a:font script="Tale" typeface="Microsoft Tai Le"/>
+        <a:font script="Talu" typeface="Microsoft New Tai Lue"/>
+        <a:font script="Tfng" typeface="Ebrima"/>
+      </a:minorFont>
+    </a:fontScheme>
+    <a:fmtScheme name="Office">
+      <a:fillStyleLst>
+        <a:solidFill>
+          <a:schemeClr val="phClr"/>
+        </a:solidFill>
+        <a:gradFill rotWithShape="1">
+          <a:gsLst>
+            <a:gs pos="0">
+              <a:schemeClr val="phClr">
+                <a:lumMod val="110000"/>
+                <a:satMod val="105000"/>
+                <a:tint val="67000"/>
+              </a:schemeClr>
+            </a:gs>
+            <a:gs pos="50000">
+              <a:schemeClr val="phClr">
+                <a:lumMod val="105000"/>
+                <a:satMod val="103000"/>
+                <a:tint val="73000"/>
+              </a:schemeClr>
+            </a:gs>
+            <a:gs pos="100000">
+              <a:schemeClr val="phClr">
+                <a:lumMod val="105000"/>
+                <a:satMod val="109000"/>
+                <a:tint val="81000"/>
+              </a:schemeClr>
+            </a:gs>
+          </a:gsLst>
+          <a:lin ang="5400000" scaled="0"/>
+        </a:gradFill>
+        <a:gradFill rotWithShape="1">
+          <a:gsLst>
+            <a:gs pos="0">
+              <a:schemeClr val="phClr">
+                <a:satMod val="103000"/>
+                <a:lumMod val="102000"/>
+                <a:tint val="94000"/>
+              </a:schemeClr>
+            </a:gs>
+            <a:gs pos="50000">
+              <a:schemeClr val="phClr">
+                <a:satMod val="110000"/>
+                <a:lumMod val="100000"/>
+                <a:shade val="100000"/>
+              </a:schemeClr>
+            </a:gs>
+            <a:gs pos="100000">
+              <a:schemeClr val="phClr">
+                <a:lumMod val="99000"/>
+                <a:satMod val="120000"/>
+                <a:shade val="78000"/>
+              </a:schemeClr>
+            </a:gs>
+          </a:gsLst>
+          <a:lin ang="5400000" scaled="0"/>
+        </a:gradFill>
+      </a:fillStyleLst>
+      <a:lnStyleLst>
+        <a:ln w="6350" cap="flat" cmpd="sng" algn="ctr">
+          <a:solidFill>
+            <a:schemeClr val="phClr"/>
+          </a:solidFill>
+          <a:prstDash val="solid"/>
+          <a:miter lim="800000"/>
+        </a:ln>
+        <a:ln w="12700" cap="flat" cmpd="sng" algn="ctr">
+          <a:solidFill>
+            <a:schemeClr val="phClr"/>
+          </a:solidFill>
+          <a:prstDash val="solid"/>
+          <a:miter lim="800000"/>
+        </a:ln>
+        <a:ln w="19050" cap="flat" cmpd="sng" algn="ctr">
+          <a:solidFill>
+            <a:schemeClr val="phClr"/>
+          </a:solidFill>
+          <a:prstDash val="solid"/>
+          <a:miter lim="800000"/>
+        </a:ln>
+      </a:lnStyleLst>
+      <a:effectStyleLst>
+        <a:effectStyle>
+          <a:effectLst/>
+        </a:effectStyle>
+        <a:effectStyle>
+          <a:effectLst/>
+        </a:effectStyle>
+        <a:effectStyle>
+          <a:effectLst>
+            <a:outerShdw blurRad="57150" dist="19050" dir="5400000" algn="ctr" rotWithShape="0">
+              <a:srgbClr val="000000">
+                <a:alpha val="63000"/>
+              </a:srgbClr>
+            </a:outerShdw>
+          </a:effectLst>
+        </a:effectStyle>
+      </a:effectStyleLst>
+      <a:bgFillStyleLst>
+        <a:solidFill>
+          <a:schemeClr val="phClr"/>
+        </a:solidFill>
+        <a:solidFill>
+          <a:schemeClr val="phClr">
+            <a:tint val="95000"/>
+            <a:satMod val="170000"/>
+          </a:schemeClr>
+        </a:solidFill>
+        <a:gradFill rotWithShape="1">
+          <a:gsLst>
+            <a:gs pos="0">
+              <a:schemeClr val="phClr">
+                <a:tint val="93000"/>
+                <a:satMod val="150000"/>
+                <a:shade val="98000"/>
+                <a:lumMod val="102000"/>
+              </a:schemeClr>
+            </a:gs>
+            <a:gs pos="50000">
+              <a:schemeClr val="phClr">
+                <a:tint val="98000"/>
+                <a:satMod val="130000"/>
+                <a:shade val="90000"/>
+                <a:lumMod val="103000"/>
+              </a:schemeClr>
+            </a:gs>
+            <a:gs pos="100000">
+              <a:schemeClr val="phClr">
+                <a:shade val="63000"/>
+                <a:satMod val="120000"/>
+              </a:schemeClr>
+            </a:gs>
+          </a:gsLst>
+          <a:lin ang="5400000" scaled="0"/>
+        </a:gradFill>
+      </a:bgFillStyleLst>
+    </a:fmtScheme>
+  </a:themeElements>
+  <a:objectDefaults/>
+  <a:extraClrSchemeLst/>
+  <a:extLst>
+    <a:ext uri="{05A4C25C-085E-4340-85A3-A5531E510DB2}">
+      <thm15:themeFamily xmlns:thm15="http://schemas.microsoft.com/office/thememl/2012/main" name="Office Theme" id="{62F939B6-93AF-4DB8-9C6B-D6C7DFDC589F}" vid="{4A3C46E8-61CC-4603-A589-7422A47A8E4A}"/>
+    </a:ext>
+  </a:extLst>
+</a:theme>
 </file>